--- a/The Office/The Office.pptx
+++ b/The Office/The Office.pptx
@@ -5,7 +5,7 @@
     <p:sldMasterId id="2147483648" r:id="rId1"/>
   </p:sldMasterIdLst>
   <p:notesMasterIdLst>
-    <p:notesMasterId r:id="rId24"/>
+    <p:notesMasterId r:id="rId30"/>
   </p:notesMasterIdLst>
   <p:sldIdLst>
     <p:sldId id="256" r:id="rId2"/>
@@ -29,7 +29,13 @@
     <p:sldId id="275" r:id="rId20"/>
     <p:sldId id="276" r:id="rId21"/>
     <p:sldId id="277" r:id="rId22"/>
-    <p:sldId id="278" r:id="rId23"/>
+    <p:sldId id="279" r:id="rId23"/>
+    <p:sldId id="280" r:id="rId24"/>
+    <p:sldId id="283" r:id="rId25"/>
+    <p:sldId id="284" r:id="rId26"/>
+    <p:sldId id="281" r:id="rId27"/>
+    <p:sldId id="282" r:id="rId28"/>
+    <p:sldId id="278" r:id="rId29"/>
   </p:sldIdLst>
   <p:sldSz cx="9144000" cy="6858000" type="screen4x3"/>
   <p:notesSz cx="6858000" cy="9144000"/>
@@ -214,7 +220,7 @@
             <a:fld id="{774E36FE-3993-49D5-9921-E8B409F44ABD}" type="datetimeFigureOut">
               <a:rPr lang="en-US" smtClean="0"/>
               <a:pPr/>
-              <a:t>1/29/2022</a:t>
+              <a:t>1/30/2022</a:t>
             </a:fld>
             <a:endParaRPr lang="en-US"/>
           </a:p>
@@ -1628,6 +1634,498 @@
 </p:notes>
 </file>
 
+<file path=ppt/notesSlides/notesSlide22.xml><?xml version="1.0" encoding="utf-8"?>
+<p:notes xmlns:a="http://schemas.openxmlformats.org/drawingml/2006/main" xmlns:r="http://schemas.openxmlformats.org/officeDocument/2006/relationships" xmlns:p="http://schemas.openxmlformats.org/presentationml/2006/main">
+  <p:cSld>
+    <p:spTree>
+      <p:nvGrpSpPr>
+        <p:cNvPr id="1" name=""/>
+        <p:cNvGrpSpPr/>
+        <p:nvPr/>
+      </p:nvGrpSpPr>
+      <p:grpSpPr>
+        <a:xfrm>
+          <a:off x="0" y="0"/>
+          <a:ext cx="0" cy="0"/>
+          <a:chOff x="0" y="0"/>
+          <a:chExt cx="0" cy="0"/>
+        </a:xfrm>
+      </p:grpSpPr>
+      <p:sp>
+        <p:nvSpPr>
+          <p:cNvPr id="2" name="Slide Image Placeholder 1"/>
+          <p:cNvSpPr>
+            <a:spLocks noGrp="1" noRot="1" noChangeAspect="1"/>
+          </p:cNvSpPr>
+          <p:nvPr>
+            <p:ph type="sldImg"/>
+          </p:nvPr>
+        </p:nvSpPr>
+        <p:spPr/>
+      </p:sp>
+      <p:sp>
+        <p:nvSpPr>
+          <p:cNvPr id="3" name="Notes Placeholder 2"/>
+          <p:cNvSpPr>
+            <a:spLocks noGrp="1"/>
+          </p:cNvSpPr>
+          <p:nvPr>
+            <p:ph type="body" idx="1"/>
+          </p:nvPr>
+        </p:nvSpPr>
+        <p:spPr/>
+        <p:txBody>
+          <a:bodyPr>
+            <a:normAutofit/>
+          </a:bodyPr>
+          <a:lstStyle/>
+          <a:p>
+            <a:endParaRPr lang="en-US" dirty="0"/>
+          </a:p>
+        </p:txBody>
+      </p:sp>
+      <p:sp>
+        <p:nvSpPr>
+          <p:cNvPr id="4" name="Slide Number Placeholder 3"/>
+          <p:cNvSpPr>
+            <a:spLocks noGrp="1"/>
+          </p:cNvSpPr>
+          <p:nvPr>
+            <p:ph type="sldNum" sz="quarter" idx="10"/>
+          </p:nvPr>
+        </p:nvSpPr>
+        <p:spPr/>
+        <p:txBody>
+          <a:bodyPr/>
+          <a:lstStyle/>
+          <a:p>
+            <a:fld id="{D0DC40D1-3176-4524-B9F4-EA235C2CCA62}" type="slidenum">
+              <a:rPr lang="en-US" smtClean="0"/>
+              <a:pPr/>
+              <a:t>23</a:t>
+            </a:fld>
+            <a:endParaRPr lang="en-US"/>
+          </a:p>
+        </p:txBody>
+      </p:sp>
+    </p:spTree>
+  </p:cSld>
+  <p:clrMapOvr>
+    <a:masterClrMapping/>
+  </p:clrMapOvr>
+</p:notes>
+</file>
+
+<file path=ppt/notesSlides/notesSlide23.xml><?xml version="1.0" encoding="utf-8"?>
+<p:notes xmlns:a="http://schemas.openxmlformats.org/drawingml/2006/main" xmlns:r="http://schemas.openxmlformats.org/officeDocument/2006/relationships" xmlns:p="http://schemas.openxmlformats.org/presentationml/2006/main">
+  <p:cSld>
+    <p:spTree>
+      <p:nvGrpSpPr>
+        <p:cNvPr id="1" name=""/>
+        <p:cNvGrpSpPr/>
+        <p:nvPr/>
+      </p:nvGrpSpPr>
+      <p:grpSpPr>
+        <a:xfrm>
+          <a:off x="0" y="0"/>
+          <a:ext cx="0" cy="0"/>
+          <a:chOff x="0" y="0"/>
+          <a:chExt cx="0" cy="0"/>
+        </a:xfrm>
+      </p:grpSpPr>
+      <p:sp>
+        <p:nvSpPr>
+          <p:cNvPr id="2" name="Slide Image Placeholder 1"/>
+          <p:cNvSpPr>
+            <a:spLocks noGrp="1" noRot="1" noChangeAspect="1"/>
+          </p:cNvSpPr>
+          <p:nvPr>
+            <p:ph type="sldImg"/>
+          </p:nvPr>
+        </p:nvSpPr>
+        <p:spPr/>
+      </p:sp>
+      <p:sp>
+        <p:nvSpPr>
+          <p:cNvPr id="3" name="Notes Placeholder 2"/>
+          <p:cNvSpPr>
+            <a:spLocks noGrp="1"/>
+          </p:cNvSpPr>
+          <p:nvPr>
+            <p:ph type="body" idx="1"/>
+          </p:nvPr>
+        </p:nvSpPr>
+        <p:spPr/>
+        <p:txBody>
+          <a:bodyPr>
+            <a:normAutofit/>
+          </a:bodyPr>
+          <a:lstStyle/>
+          <a:p>
+            <a:endParaRPr lang="en-US" dirty="0"/>
+          </a:p>
+        </p:txBody>
+      </p:sp>
+      <p:sp>
+        <p:nvSpPr>
+          <p:cNvPr id="4" name="Slide Number Placeholder 3"/>
+          <p:cNvSpPr>
+            <a:spLocks noGrp="1"/>
+          </p:cNvSpPr>
+          <p:nvPr>
+            <p:ph type="sldNum" sz="quarter" idx="10"/>
+          </p:nvPr>
+        </p:nvSpPr>
+        <p:spPr/>
+        <p:txBody>
+          <a:bodyPr/>
+          <a:lstStyle/>
+          <a:p>
+            <a:fld id="{D0DC40D1-3176-4524-B9F4-EA235C2CCA62}" type="slidenum">
+              <a:rPr lang="en-US" smtClean="0"/>
+              <a:pPr/>
+              <a:t>24</a:t>
+            </a:fld>
+            <a:endParaRPr lang="en-US"/>
+          </a:p>
+        </p:txBody>
+      </p:sp>
+    </p:spTree>
+  </p:cSld>
+  <p:clrMapOvr>
+    <a:masterClrMapping/>
+  </p:clrMapOvr>
+</p:notes>
+</file>
+
+<file path=ppt/notesSlides/notesSlide24.xml><?xml version="1.0" encoding="utf-8"?>
+<p:notes xmlns:a="http://schemas.openxmlformats.org/drawingml/2006/main" xmlns:r="http://schemas.openxmlformats.org/officeDocument/2006/relationships" xmlns:p="http://schemas.openxmlformats.org/presentationml/2006/main">
+  <p:cSld>
+    <p:spTree>
+      <p:nvGrpSpPr>
+        <p:cNvPr id="1" name=""/>
+        <p:cNvGrpSpPr/>
+        <p:nvPr/>
+      </p:nvGrpSpPr>
+      <p:grpSpPr>
+        <a:xfrm>
+          <a:off x="0" y="0"/>
+          <a:ext cx="0" cy="0"/>
+          <a:chOff x="0" y="0"/>
+          <a:chExt cx="0" cy="0"/>
+        </a:xfrm>
+      </p:grpSpPr>
+      <p:sp>
+        <p:nvSpPr>
+          <p:cNvPr id="2" name="Slide Image Placeholder 1"/>
+          <p:cNvSpPr>
+            <a:spLocks noGrp="1" noRot="1" noChangeAspect="1"/>
+          </p:cNvSpPr>
+          <p:nvPr>
+            <p:ph type="sldImg"/>
+          </p:nvPr>
+        </p:nvSpPr>
+        <p:spPr/>
+      </p:sp>
+      <p:sp>
+        <p:nvSpPr>
+          <p:cNvPr id="3" name="Notes Placeholder 2"/>
+          <p:cNvSpPr>
+            <a:spLocks noGrp="1"/>
+          </p:cNvSpPr>
+          <p:nvPr>
+            <p:ph type="body" idx="1"/>
+          </p:nvPr>
+        </p:nvSpPr>
+        <p:spPr/>
+        <p:txBody>
+          <a:bodyPr>
+            <a:normAutofit/>
+          </a:bodyPr>
+          <a:lstStyle/>
+          <a:p>
+            <a:endParaRPr lang="en-US" dirty="0"/>
+          </a:p>
+        </p:txBody>
+      </p:sp>
+      <p:sp>
+        <p:nvSpPr>
+          <p:cNvPr id="4" name="Slide Number Placeholder 3"/>
+          <p:cNvSpPr>
+            <a:spLocks noGrp="1"/>
+          </p:cNvSpPr>
+          <p:nvPr>
+            <p:ph type="sldNum" sz="quarter" idx="10"/>
+          </p:nvPr>
+        </p:nvSpPr>
+        <p:spPr/>
+        <p:txBody>
+          <a:bodyPr/>
+          <a:lstStyle/>
+          <a:p>
+            <a:fld id="{D0DC40D1-3176-4524-B9F4-EA235C2CCA62}" type="slidenum">
+              <a:rPr lang="en-US" smtClean="0"/>
+              <a:pPr/>
+              <a:t>25</a:t>
+            </a:fld>
+            <a:endParaRPr lang="en-US"/>
+          </a:p>
+        </p:txBody>
+      </p:sp>
+    </p:spTree>
+  </p:cSld>
+  <p:clrMapOvr>
+    <a:masterClrMapping/>
+  </p:clrMapOvr>
+</p:notes>
+</file>
+
+<file path=ppt/notesSlides/notesSlide25.xml><?xml version="1.0" encoding="utf-8"?>
+<p:notes xmlns:a="http://schemas.openxmlformats.org/drawingml/2006/main" xmlns:r="http://schemas.openxmlformats.org/officeDocument/2006/relationships" xmlns:p="http://schemas.openxmlformats.org/presentationml/2006/main">
+  <p:cSld>
+    <p:spTree>
+      <p:nvGrpSpPr>
+        <p:cNvPr id="1" name=""/>
+        <p:cNvGrpSpPr/>
+        <p:nvPr/>
+      </p:nvGrpSpPr>
+      <p:grpSpPr>
+        <a:xfrm>
+          <a:off x="0" y="0"/>
+          <a:ext cx="0" cy="0"/>
+          <a:chOff x="0" y="0"/>
+          <a:chExt cx="0" cy="0"/>
+        </a:xfrm>
+      </p:grpSpPr>
+      <p:sp>
+        <p:nvSpPr>
+          <p:cNvPr id="2" name="Slide Image Placeholder 1"/>
+          <p:cNvSpPr>
+            <a:spLocks noGrp="1" noRot="1" noChangeAspect="1"/>
+          </p:cNvSpPr>
+          <p:nvPr>
+            <p:ph type="sldImg"/>
+          </p:nvPr>
+        </p:nvSpPr>
+        <p:spPr/>
+      </p:sp>
+      <p:sp>
+        <p:nvSpPr>
+          <p:cNvPr id="3" name="Notes Placeholder 2"/>
+          <p:cNvSpPr>
+            <a:spLocks noGrp="1"/>
+          </p:cNvSpPr>
+          <p:nvPr>
+            <p:ph type="body" idx="1"/>
+          </p:nvPr>
+        </p:nvSpPr>
+        <p:spPr/>
+        <p:txBody>
+          <a:bodyPr>
+            <a:normAutofit/>
+          </a:bodyPr>
+          <a:lstStyle/>
+          <a:p>
+            <a:endParaRPr lang="en-US" dirty="0"/>
+          </a:p>
+        </p:txBody>
+      </p:sp>
+      <p:sp>
+        <p:nvSpPr>
+          <p:cNvPr id="4" name="Slide Number Placeholder 3"/>
+          <p:cNvSpPr>
+            <a:spLocks noGrp="1"/>
+          </p:cNvSpPr>
+          <p:nvPr>
+            <p:ph type="sldNum" sz="quarter" idx="10"/>
+          </p:nvPr>
+        </p:nvSpPr>
+        <p:spPr/>
+        <p:txBody>
+          <a:bodyPr/>
+          <a:lstStyle/>
+          <a:p>
+            <a:fld id="{D0DC40D1-3176-4524-B9F4-EA235C2CCA62}" type="slidenum">
+              <a:rPr lang="en-US" smtClean="0"/>
+              <a:pPr/>
+              <a:t>26</a:t>
+            </a:fld>
+            <a:endParaRPr lang="en-US"/>
+          </a:p>
+        </p:txBody>
+      </p:sp>
+    </p:spTree>
+  </p:cSld>
+  <p:clrMapOvr>
+    <a:masterClrMapping/>
+  </p:clrMapOvr>
+</p:notes>
+</file>
+
+<file path=ppt/notesSlides/notesSlide26.xml><?xml version="1.0" encoding="utf-8"?>
+<p:notes xmlns:a="http://schemas.openxmlformats.org/drawingml/2006/main" xmlns:r="http://schemas.openxmlformats.org/officeDocument/2006/relationships" xmlns:p="http://schemas.openxmlformats.org/presentationml/2006/main">
+  <p:cSld>
+    <p:spTree>
+      <p:nvGrpSpPr>
+        <p:cNvPr id="1" name=""/>
+        <p:cNvGrpSpPr/>
+        <p:nvPr/>
+      </p:nvGrpSpPr>
+      <p:grpSpPr>
+        <a:xfrm>
+          <a:off x="0" y="0"/>
+          <a:ext cx="0" cy="0"/>
+          <a:chOff x="0" y="0"/>
+          <a:chExt cx="0" cy="0"/>
+        </a:xfrm>
+      </p:grpSpPr>
+      <p:sp>
+        <p:nvSpPr>
+          <p:cNvPr id="2" name="Slide Image Placeholder 1"/>
+          <p:cNvSpPr>
+            <a:spLocks noGrp="1" noRot="1" noChangeAspect="1"/>
+          </p:cNvSpPr>
+          <p:nvPr>
+            <p:ph type="sldImg"/>
+          </p:nvPr>
+        </p:nvSpPr>
+        <p:spPr/>
+      </p:sp>
+      <p:sp>
+        <p:nvSpPr>
+          <p:cNvPr id="3" name="Notes Placeholder 2"/>
+          <p:cNvSpPr>
+            <a:spLocks noGrp="1"/>
+          </p:cNvSpPr>
+          <p:nvPr>
+            <p:ph type="body" idx="1"/>
+          </p:nvPr>
+        </p:nvSpPr>
+        <p:spPr/>
+        <p:txBody>
+          <a:bodyPr>
+            <a:normAutofit/>
+          </a:bodyPr>
+          <a:lstStyle/>
+          <a:p>
+            <a:endParaRPr lang="en-US" dirty="0"/>
+          </a:p>
+        </p:txBody>
+      </p:sp>
+      <p:sp>
+        <p:nvSpPr>
+          <p:cNvPr id="4" name="Slide Number Placeholder 3"/>
+          <p:cNvSpPr>
+            <a:spLocks noGrp="1"/>
+          </p:cNvSpPr>
+          <p:nvPr>
+            <p:ph type="sldNum" sz="quarter" idx="10"/>
+          </p:nvPr>
+        </p:nvSpPr>
+        <p:spPr/>
+        <p:txBody>
+          <a:bodyPr/>
+          <a:lstStyle/>
+          <a:p>
+            <a:fld id="{D0DC40D1-3176-4524-B9F4-EA235C2CCA62}" type="slidenum">
+              <a:rPr lang="en-US" smtClean="0"/>
+              <a:pPr/>
+              <a:t>27</a:t>
+            </a:fld>
+            <a:endParaRPr lang="en-US"/>
+          </a:p>
+        </p:txBody>
+      </p:sp>
+    </p:spTree>
+  </p:cSld>
+  <p:clrMapOvr>
+    <a:masterClrMapping/>
+  </p:clrMapOvr>
+</p:notes>
+</file>
+
+<file path=ppt/notesSlides/notesSlide27.xml><?xml version="1.0" encoding="utf-8"?>
+<p:notes xmlns:a="http://schemas.openxmlformats.org/drawingml/2006/main" xmlns:r="http://schemas.openxmlformats.org/officeDocument/2006/relationships" xmlns:p="http://schemas.openxmlformats.org/presentationml/2006/main">
+  <p:cSld>
+    <p:spTree>
+      <p:nvGrpSpPr>
+        <p:cNvPr id="1" name=""/>
+        <p:cNvGrpSpPr/>
+        <p:nvPr/>
+      </p:nvGrpSpPr>
+      <p:grpSpPr>
+        <a:xfrm>
+          <a:off x="0" y="0"/>
+          <a:ext cx="0" cy="0"/>
+          <a:chOff x="0" y="0"/>
+          <a:chExt cx="0" cy="0"/>
+        </a:xfrm>
+      </p:grpSpPr>
+      <p:sp>
+        <p:nvSpPr>
+          <p:cNvPr id="2" name="Slide Image Placeholder 1"/>
+          <p:cNvSpPr>
+            <a:spLocks noGrp="1" noRot="1" noChangeAspect="1"/>
+          </p:cNvSpPr>
+          <p:nvPr>
+            <p:ph type="sldImg"/>
+          </p:nvPr>
+        </p:nvSpPr>
+        <p:spPr/>
+      </p:sp>
+      <p:sp>
+        <p:nvSpPr>
+          <p:cNvPr id="3" name="Notes Placeholder 2"/>
+          <p:cNvSpPr>
+            <a:spLocks noGrp="1"/>
+          </p:cNvSpPr>
+          <p:nvPr>
+            <p:ph type="body" idx="1"/>
+          </p:nvPr>
+        </p:nvSpPr>
+        <p:spPr/>
+        <p:txBody>
+          <a:bodyPr>
+            <a:normAutofit/>
+          </a:bodyPr>
+          <a:lstStyle/>
+          <a:p>
+            <a:endParaRPr lang="en-US" dirty="0"/>
+          </a:p>
+        </p:txBody>
+      </p:sp>
+      <p:sp>
+        <p:nvSpPr>
+          <p:cNvPr id="4" name="Slide Number Placeholder 3"/>
+          <p:cNvSpPr>
+            <a:spLocks noGrp="1"/>
+          </p:cNvSpPr>
+          <p:nvPr>
+            <p:ph type="sldNum" sz="quarter" idx="10"/>
+          </p:nvPr>
+        </p:nvSpPr>
+        <p:spPr/>
+        <p:txBody>
+          <a:bodyPr/>
+          <a:lstStyle/>
+          <a:p>
+            <a:fld id="{D0DC40D1-3176-4524-B9F4-EA235C2CCA62}" type="slidenum">
+              <a:rPr lang="en-US" smtClean="0"/>
+              <a:pPr/>
+              <a:t>28</a:t>
+            </a:fld>
+            <a:endParaRPr lang="en-US"/>
+          </a:p>
+        </p:txBody>
+      </p:sp>
+    </p:spTree>
+  </p:cSld>
+  <p:clrMapOvr>
+    <a:masterClrMapping/>
+  </p:clrMapOvr>
+</p:notes>
+</file>
+
 <file path=ppt/notesSlides/notesSlide3.xml><?xml version="1.0" encoding="utf-8"?>
 <p:notes xmlns:a="http://schemas.openxmlformats.org/drawingml/2006/main" xmlns:r="http://schemas.openxmlformats.org/officeDocument/2006/relationships" xmlns:p="http://schemas.openxmlformats.org/presentationml/2006/main">
   <p:cSld>
@@ -2384,7 +2882,7 @@
             <a:fld id="{1D8BD707-D9CF-40AE-B4C6-C98DA3205C09}" type="datetimeFigureOut">
               <a:rPr lang="en-US" smtClean="0"/>
               <a:pPr/>
-              <a:t>1/29/2022</a:t>
+              <a:t>1/30/2022</a:t>
             </a:fld>
             <a:endParaRPr lang="en-US"/>
           </a:p>
@@ -2551,7 +3049,7 @@
             <a:fld id="{1D8BD707-D9CF-40AE-B4C6-C98DA3205C09}" type="datetimeFigureOut">
               <a:rPr lang="en-US" smtClean="0"/>
               <a:pPr/>
-              <a:t>1/29/2022</a:t>
+              <a:t>1/30/2022</a:t>
             </a:fld>
             <a:endParaRPr lang="en-US"/>
           </a:p>
@@ -2728,7 +3226,7 @@
             <a:fld id="{1D8BD707-D9CF-40AE-B4C6-C98DA3205C09}" type="datetimeFigureOut">
               <a:rPr lang="en-US" smtClean="0"/>
               <a:pPr/>
-              <a:t>1/29/2022</a:t>
+              <a:t>1/30/2022</a:t>
             </a:fld>
             <a:endParaRPr lang="en-US"/>
           </a:p>
@@ -2895,7 +3393,7 @@
             <a:fld id="{1D8BD707-D9CF-40AE-B4C6-C98DA3205C09}" type="datetimeFigureOut">
               <a:rPr lang="en-US" smtClean="0"/>
               <a:pPr/>
-              <a:t>1/29/2022</a:t>
+              <a:t>1/30/2022</a:t>
             </a:fld>
             <a:endParaRPr lang="en-US"/>
           </a:p>
@@ -3138,7 +3636,7 @@
             <a:fld id="{1D8BD707-D9CF-40AE-B4C6-C98DA3205C09}" type="datetimeFigureOut">
               <a:rPr lang="en-US" smtClean="0"/>
               <a:pPr/>
-              <a:t>1/29/2022</a:t>
+              <a:t>1/30/2022</a:t>
             </a:fld>
             <a:endParaRPr lang="en-US"/>
           </a:p>
@@ -3423,7 +3921,7 @@
             <a:fld id="{1D8BD707-D9CF-40AE-B4C6-C98DA3205C09}" type="datetimeFigureOut">
               <a:rPr lang="en-US" smtClean="0"/>
               <a:pPr/>
-              <a:t>1/29/2022</a:t>
+              <a:t>1/30/2022</a:t>
             </a:fld>
             <a:endParaRPr lang="en-US"/>
           </a:p>
@@ -3842,7 +4340,7 @@
             <a:fld id="{1D8BD707-D9CF-40AE-B4C6-C98DA3205C09}" type="datetimeFigureOut">
               <a:rPr lang="en-US" smtClean="0"/>
               <a:pPr/>
-              <a:t>1/29/2022</a:t>
+              <a:t>1/30/2022</a:t>
             </a:fld>
             <a:endParaRPr lang="en-US"/>
           </a:p>
@@ -3957,7 +4455,7 @@
             <a:fld id="{1D8BD707-D9CF-40AE-B4C6-C98DA3205C09}" type="datetimeFigureOut">
               <a:rPr lang="en-US" smtClean="0"/>
               <a:pPr/>
-              <a:t>1/29/2022</a:t>
+              <a:t>1/30/2022</a:t>
             </a:fld>
             <a:endParaRPr lang="en-US"/>
           </a:p>
@@ -4049,7 +4547,7 @@
             <a:fld id="{1D8BD707-D9CF-40AE-B4C6-C98DA3205C09}" type="datetimeFigureOut">
               <a:rPr lang="en-US" smtClean="0"/>
               <a:pPr/>
-              <a:t>1/29/2022</a:t>
+              <a:t>1/30/2022</a:t>
             </a:fld>
             <a:endParaRPr lang="en-US"/>
           </a:p>
@@ -4323,7 +4821,7 @@
             <a:fld id="{1D8BD707-D9CF-40AE-B4C6-C98DA3205C09}" type="datetimeFigureOut">
               <a:rPr lang="en-US" smtClean="0"/>
               <a:pPr/>
-              <a:t>1/29/2022</a:t>
+              <a:t>1/30/2022</a:t>
             </a:fld>
             <a:endParaRPr lang="en-US"/>
           </a:p>
@@ -4573,7 +5071,7 @@
             <a:fld id="{1D8BD707-D9CF-40AE-B4C6-C98DA3205C09}" type="datetimeFigureOut">
               <a:rPr lang="en-US" smtClean="0"/>
               <a:pPr/>
-              <a:t>1/29/2022</a:t>
+              <a:t>1/30/2022</a:t>
             </a:fld>
             <a:endParaRPr lang="en-US"/>
           </a:p>
@@ -4783,7 +5281,7 @@
             <a:fld id="{1D8BD707-D9CF-40AE-B4C6-C98DA3205C09}" type="datetimeFigureOut">
               <a:rPr lang="en-US" smtClean="0"/>
               <a:pPr/>
-              <a:t>1/29/2022</a:t>
+              <a:t>1/30/2022</a:t>
             </a:fld>
             <a:endParaRPr lang="en-US"/>
           </a:p>
@@ -5176,6 +5674,13 @@
   <p:transition>
     <p:fade thruBlk="1"/>
   </p:transition>
+  <p:timing>
+    <p:tnLst>
+      <p:par>
+        <p:cTn id="1" dur="indefinite" restart="never" nodeType="tmRoot"/>
+      </p:par>
+    </p:tnLst>
+  </p:timing>
 </p:sld>
 </file>
 
@@ -5458,6 +5963,13 @@
   <p:transition>
     <p:fade thruBlk="1"/>
   </p:transition>
+  <p:timing>
+    <p:tnLst>
+      <p:par>
+        <p:cTn id="1" dur="indefinite" restart="never" nodeType="tmRoot"/>
+      </p:par>
+    </p:tnLst>
+  </p:timing>
 </p:sld>
 </file>
 
@@ -5651,6 +6163,13 @@
   <p:transition>
     <p:fade thruBlk="1"/>
   </p:transition>
+  <p:timing>
+    <p:tnLst>
+      <p:par>
+        <p:cTn id="1" dur="indefinite" restart="never" nodeType="tmRoot"/>
+      </p:par>
+    </p:tnLst>
+  </p:timing>
 </p:sld>
 </file>
 
@@ -5939,6 +6458,13 @@
   <p:transition>
     <p:fade thruBlk="1"/>
   </p:transition>
+  <p:timing>
+    <p:tnLst>
+      <p:par>
+        <p:cTn id="1" dur="indefinite" restart="never" nodeType="tmRoot"/>
+      </p:par>
+    </p:tnLst>
+  </p:timing>
 </p:sld>
 </file>
 
@@ -6120,6 +6646,13 @@
   <p:transition>
     <p:fade thruBlk="1"/>
   </p:transition>
+  <p:timing>
+    <p:tnLst>
+      <p:par>
+        <p:cTn id="1" dur="indefinite" restart="never" nodeType="tmRoot"/>
+      </p:par>
+    </p:tnLst>
+  </p:timing>
 </p:sld>
 </file>
 
@@ -6372,6 +6905,13 @@
   <p:transition>
     <p:fade thruBlk="1"/>
   </p:transition>
+  <p:timing>
+    <p:tnLst>
+      <p:par>
+        <p:cTn id="1" dur="indefinite" restart="never" nodeType="tmRoot"/>
+      </p:par>
+    </p:tnLst>
+  </p:timing>
 </p:sld>
 </file>
 
@@ -6541,6 +7081,13 @@
   <p:transition>
     <p:fade thruBlk="1"/>
   </p:transition>
+  <p:timing>
+    <p:tnLst>
+      <p:par>
+        <p:cTn id="1" dur="indefinite" restart="never" nodeType="tmRoot"/>
+      </p:par>
+    </p:tnLst>
+  </p:timing>
 </p:sld>
 </file>
 
@@ -6787,6 +7334,13 @@
   <p:transition>
     <p:fade thruBlk="1"/>
   </p:transition>
+  <p:timing>
+    <p:tnLst>
+      <p:par>
+        <p:cTn id="1" dur="indefinite" restart="never" nodeType="tmRoot"/>
+      </p:par>
+    </p:tnLst>
+  </p:timing>
 </p:sld>
 </file>
 
@@ -7298,6 +7852,13 @@
   <p:transition>
     <p:fade thruBlk="1"/>
   </p:transition>
+  <p:timing>
+    <p:tnLst>
+      <p:par>
+        <p:cTn id="1" dur="indefinite" restart="never" nodeType="tmRoot"/>
+      </p:par>
+    </p:tnLst>
+  </p:timing>
 </p:sld>
 </file>
 
@@ -7467,6 +8028,13 @@
   <p:transition>
     <p:fade thruBlk="1"/>
   </p:transition>
+  <p:timing>
+    <p:tnLst>
+      <p:par>
+        <p:cTn id="1" dur="indefinite" restart="never" nodeType="tmRoot"/>
+      </p:par>
+    </p:tnLst>
+  </p:timing>
 </p:sld>
 </file>
 
@@ -7713,6 +8281,13 @@
   <p:transition>
     <p:fade thruBlk="1"/>
   </p:transition>
+  <p:timing>
+    <p:tnLst>
+      <p:par>
+        <p:cTn id="1" dur="indefinite" restart="never" nodeType="tmRoot"/>
+      </p:par>
+    </p:tnLst>
+  </p:timing>
 </p:sld>
 </file>
 
@@ -7782,7 +8357,7 @@
         <p:spPr>
           <a:xfrm>
             <a:off x="457200" y="685800"/>
-            <a:ext cx="8229600" cy="1354217"/>
+            <a:ext cx="8229600" cy="1846659"/>
           </a:xfrm>
           <a:prstGeom prst="rect">
             <a:avLst/>
@@ -7807,7 +8382,7 @@
               <a:rPr lang="en-US" sz="3200" dirty="0" smtClean="0">
                 <a:latin typeface="AmericanTypewriter" pitchFamily="2" charset="0"/>
               </a:rPr>
-              <a:t>What radio sticker can be seen in the office?</a:t>
+              <a:t>What's in the thermos that Michael offers Pam during morning deliveries for the Michael Scott Paper Company?</a:t>
             </a:r>
             <a:endParaRPr lang="en-US" sz="3200" dirty="0">
               <a:latin typeface="AmericanTypewriter" pitchFamily="2" charset="0"/>
@@ -7824,7 +8399,7 @@
         <p:spPr>
           <a:xfrm>
             <a:off x="457200" y="5257800"/>
-            <a:ext cx="4038600" cy="646331"/>
+            <a:ext cx="4038600" cy="1200329"/>
           </a:xfrm>
           <a:prstGeom prst="rect">
             <a:avLst/>
@@ -7844,16 +8419,10 @@
               <a:t>C) </a:t>
             </a:r>
             <a:r>
-              <a:rPr lang="en-US" sz="3600" dirty="0" err="1" smtClean="0">
-                <a:latin typeface="AmericanTypewriter" pitchFamily="2" charset="0"/>
-              </a:rPr>
-              <a:t>Froggy</a:t>
-            </a:r>
-            <a:r>
               <a:rPr lang="en-US" sz="3600" dirty="0" smtClean="0">
                 <a:latin typeface="AmericanTypewriter" pitchFamily="2" charset="0"/>
               </a:rPr>
-              <a:t> 110</a:t>
+              <a:t>Coffee and Cream</a:t>
             </a:r>
             <a:endParaRPr lang="en-US" sz="3600" dirty="0">
               <a:latin typeface="AmericanTypewriter" pitchFamily="2" charset="0"/>
@@ -7887,19 +8456,31 @@
               <a:rPr lang="en-US" sz="3600" dirty="0" smtClean="0">
                 <a:latin typeface="AmericanTypewriter" pitchFamily="2" charset="0"/>
               </a:rPr>
-              <a:t>A) </a:t>
-            </a:r>
-            <a:r>
-              <a:rPr lang="en-US" sz="3600" dirty="0" err="1" smtClean="0">
-                <a:latin typeface="AmericanTypewriter" pitchFamily="2" charset="0"/>
-              </a:rPr>
-              <a:t>Froggy</a:t>
+              <a:t>A</a:t>
             </a:r>
             <a:r>
               <a:rPr lang="en-US" sz="3600" dirty="0" smtClean="0">
                 <a:latin typeface="AmericanTypewriter" pitchFamily="2" charset="0"/>
               </a:rPr>
-              <a:t> 111</a:t>
+              <a:t>) Milk</a:t>
+            </a:r>
+            <a:r>
+              <a:rPr lang="en-US" sz="3600" dirty="0" smtClean="0">
+                <a:latin typeface="AmericanTypewriter" pitchFamily="2" charset="0"/>
+              </a:rPr>
+              <a:t> </a:t>
+            </a:r>
+            <a:r>
+              <a:rPr lang="en-US" sz="3600" dirty="0" smtClean="0">
+                <a:latin typeface="AmericanTypewriter" pitchFamily="2" charset="0"/>
+              </a:rPr>
+              <a:t>&amp;</a:t>
+            </a:r>
+            <a:r>
+              <a:rPr lang="en-US" sz="3600" dirty="0" smtClean="0">
+                <a:latin typeface="AmericanTypewriter" pitchFamily="2" charset="0"/>
+              </a:rPr>
+              <a:t> Sugar</a:t>
             </a:r>
             <a:endParaRPr lang="en-US" sz="3600" dirty="0">
               <a:latin typeface="AmericanTypewriter" pitchFamily="2" charset="0"/>
@@ -7916,7 +8497,7 @@
         <p:spPr>
           <a:xfrm>
             <a:off x="4724400" y="3886200"/>
-            <a:ext cx="4038600" cy="646331"/>
+            <a:ext cx="4038600" cy="1200329"/>
           </a:xfrm>
           <a:prstGeom prst="rect">
             <a:avLst/>
@@ -7933,19 +8514,13 @@
               <a:rPr lang="en-US" sz="3600" dirty="0" smtClean="0">
                 <a:latin typeface="AmericanTypewriter" pitchFamily="2" charset="0"/>
               </a:rPr>
-              <a:t>B) </a:t>
-            </a:r>
-            <a:r>
-              <a:rPr lang="en-US" sz="3600" dirty="0" err="1" smtClean="0">
-                <a:latin typeface="AmericanTypewriter" pitchFamily="2" charset="0"/>
-              </a:rPr>
-              <a:t>Froggy</a:t>
+              <a:t>B</a:t>
             </a:r>
             <a:r>
               <a:rPr lang="en-US" sz="3600" dirty="0" smtClean="0">
                 <a:latin typeface="AmericanTypewriter" pitchFamily="2" charset="0"/>
               </a:rPr>
-              <a:t> 101</a:t>
+              <a:t>) Milk and Coffee</a:t>
             </a:r>
             <a:endParaRPr lang="en-US" sz="3600" dirty="0">
               <a:latin typeface="AmericanTypewriter" pitchFamily="2" charset="0"/>
@@ -7962,7 +8537,7 @@
         <p:spPr>
           <a:xfrm>
             <a:off x="4724400" y="5181600"/>
-            <a:ext cx="4038600" cy="646331"/>
+            <a:ext cx="4038600" cy="1200329"/>
           </a:xfrm>
           <a:prstGeom prst="rect">
             <a:avLst/>
@@ -7979,19 +8554,13 @@
               <a:rPr lang="en-US" sz="3600" dirty="0" smtClean="0">
                 <a:latin typeface="AmericanTypewriter" pitchFamily="2" charset="0"/>
               </a:rPr>
-              <a:t>D) </a:t>
-            </a:r>
-            <a:r>
-              <a:rPr lang="en-US" sz="3600" dirty="0" err="1" smtClean="0">
-                <a:latin typeface="AmericanTypewriter" pitchFamily="2" charset="0"/>
-              </a:rPr>
-              <a:t>Froggy</a:t>
+              <a:t>D</a:t>
             </a:r>
             <a:r>
               <a:rPr lang="en-US" sz="3600" dirty="0" smtClean="0">
                 <a:latin typeface="AmericanTypewriter" pitchFamily="2" charset="0"/>
               </a:rPr>
-              <a:t> 100</a:t>
+              <a:t>) Cream and Sugar</a:t>
             </a:r>
             <a:endParaRPr lang="en-US" sz="3600" dirty="0">
               <a:latin typeface="AmericanTypewriter" pitchFamily="2" charset="0"/>
@@ -8007,10 +8576,291 @@
   <p:transition>
     <p:fade thruBlk="1"/>
   </p:transition>
+  <p:timing>
+    <p:tnLst>
+      <p:par>
+        <p:cTn id="1" dur="indefinite" restart="never" nodeType="tmRoot"/>
+      </p:par>
+    </p:tnLst>
+  </p:timing>
 </p:sld>
 </file>
 
 <file path=ppt/slides/slide21.xml><?xml version="1.0" encoding="utf-8"?>
+<p:sld xmlns:a="http://schemas.openxmlformats.org/drawingml/2006/main" xmlns:r="http://schemas.openxmlformats.org/officeDocument/2006/relationships" xmlns:p="http://schemas.openxmlformats.org/presentationml/2006/main">
+  <p:cSld>
+    <p:bg>
+      <p:bgPr>
+        <a:blipFill dpi="0" rotWithShape="1">
+          <a:blip r:embed="rId4" cstate="print">
+            <a:lum/>
+          </a:blip>
+          <a:srcRect/>
+          <a:stretch>
+            <a:fillRect l="-25000" r="-25000"/>
+          </a:stretch>
+        </a:blipFill>
+        <a:effectLst/>
+      </p:bgPr>
+    </p:bg>
+    <p:spTree>
+      <p:nvGrpSpPr>
+        <p:cNvPr id="1" name=""/>
+        <p:cNvGrpSpPr/>
+        <p:nvPr/>
+      </p:nvGrpSpPr>
+      <p:grpSpPr>
+        <a:xfrm>
+          <a:off x="0" y="0"/>
+          <a:ext cx="0" cy="0"/>
+          <a:chOff x="0" y="0"/>
+          <a:chExt cx="0" cy="0"/>
+        </a:xfrm>
+      </p:grpSpPr>
+      <p:sp>
+        <p:nvSpPr>
+          <p:cNvPr id="2" name="TextBox 1"/>
+          <p:cNvSpPr txBox="1"/>
+          <p:nvPr/>
+        </p:nvSpPr>
+        <p:spPr>
+          <a:xfrm>
+            <a:off x="457200" y="609600"/>
+            <a:ext cx="8229600" cy="369332"/>
+          </a:xfrm>
+          <a:prstGeom prst="rect">
+            <a:avLst/>
+          </a:prstGeom>
+          <a:noFill/>
+        </p:spPr>
+        <p:txBody>
+          <a:bodyPr wrap="square" rtlCol="0">
+            <a:spAutoFit/>
+          </a:bodyPr>
+          <a:lstStyle/>
+          <a:p>
+            <a:endParaRPr lang="en-US" dirty="0"/>
+          </a:p>
+        </p:txBody>
+      </p:sp>
+      <p:sp>
+        <p:nvSpPr>
+          <p:cNvPr id="3" name="TextBox 2"/>
+          <p:cNvSpPr txBox="1"/>
+          <p:nvPr/>
+        </p:nvSpPr>
+        <p:spPr>
+          <a:xfrm>
+            <a:off x="457200" y="685800"/>
+            <a:ext cx="8229600" cy="923330"/>
+          </a:xfrm>
+          <a:prstGeom prst="rect">
+            <a:avLst/>
+          </a:prstGeom>
+          <a:noFill/>
+        </p:spPr>
+        <p:txBody>
+          <a:bodyPr wrap="square" rtlCol="0">
+            <a:spAutoFit/>
+          </a:bodyPr>
+          <a:lstStyle/>
+          <a:p>
+            <a:r>
+              <a:rPr lang="en-US" dirty="0" smtClean="0">
+                <a:latin typeface="AmericanTypewriter" pitchFamily="2" charset="0"/>
+              </a:rPr>
+              <a:t>Question No. 10</a:t>
+            </a:r>
+          </a:p>
+          <a:p>
+            <a:r>
+              <a:rPr lang="en-US" dirty="0" smtClean="0">
+                <a:latin typeface="AmericanTypewriter" pitchFamily="2" charset="0"/>
+              </a:rPr>
+              <a:t>What's in the thermos that Michael offers Pam during morning deliveries for the Michael Scott Paper Company?</a:t>
+            </a:r>
+            <a:endParaRPr lang="en-US" dirty="0">
+              <a:latin typeface="AmericanTypewriter" pitchFamily="2" charset="0"/>
+            </a:endParaRPr>
+          </a:p>
+        </p:txBody>
+      </p:sp>
+      <p:sp>
+        <p:nvSpPr>
+          <p:cNvPr id="7" name="TextBox 6"/>
+          <p:cNvSpPr txBox="1"/>
+          <p:nvPr/>
+        </p:nvSpPr>
+        <p:spPr>
+          <a:xfrm>
+            <a:off x="609600" y="3657600"/>
+            <a:ext cx="1524000" cy="830997"/>
+          </a:xfrm>
+          <a:prstGeom prst="rect">
+            <a:avLst/>
+          </a:prstGeom>
+          <a:noFill/>
+        </p:spPr>
+        <p:txBody>
+          <a:bodyPr wrap="square" rtlCol="0">
+            <a:spAutoFit/>
+          </a:bodyPr>
+          <a:lstStyle/>
+          <a:p>
+            <a:pPr marL="742950" indent="-742950" algn="ctr"/>
+            <a:r>
+              <a:rPr lang="en-US" sz="2400" dirty="0" smtClean="0">
+                <a:latin typeface="AmericanTypewriter" pitchFamily="2" charset="0"/>
+              </a:rPr>
+              <a:t>A) Milk </a:t>
+            </a:r>
+          </a:p>
+          <a:p>
+            <a:pPr marL="742950" indent="-742950" algn="ctr"/>
+            <a:r>
+              <a:rPr lang="en-US" sz="2400" dirty="0" smtClean="0">
+                <a:latin typeface="AmericanTypewriter" pitchFamily="2" charset="0"/>
+              </a:rPr>
+              <a:t>&amp; Sugar</a:t>
+            </a:r>
+            <a:endParaRPr lang="en-US" sz="2400" dirty="0">
+              <a:latin typeface="AmericanTypewriter" pitchFamily="2" charset="0"/>
+            </a:endParaRPr>
+          </a:p>
+        </p:txBody>
+      </p:sp>
+      <p:pic>
+        <p:nvPicPr>
+          <p:cNvPr id="6" name="the Office - milk and sugar.mkv">
+            <a:hlinkClick r:id="" action="ppaction://media"/>
+          </p:cNvPr>
+          <p:cNvPicPr>
+            <a:picLocks noRot="1" noChangeAspect="1"/>
+          </p:cNvPicPr>
+          <p:nvPr>
+            <a:videoFile r:link="rId1"/>
+          </p:nvPr>
+        </p:nvPicPr>
+        <p:blipFill>
+          <a:blip r:embed="rId5"/>
+          <a:stretch>
+            <a:fillRect/>
+          </a:stretch>
+        </p:blipFill>
+        <p:spPr>
+          <a:xfrm>
+            <a:off x="2133600" y="1676400"/>
+            <a:ext cx="6553200" cy="4914900"/>
+          </a:xfrm>
+          <a:prstGeom prst="rect">
+            <a:avLst/>
+          </a:prstGeom>
+        </p:spPr>
+      </p:pic>
+    </p:spTree>
+  </p:cSld>
+  <p:clrMapOvr>
+    <a:masterClrMapping/>
+  </p:clrMapOvr>
+  <p:transition>
+    <p:fade thruBlk="1"/>
+  </p:transition>
+  <p:timing>
+    <p:tnLst>
+      <p:par>
+        <p:cTn id="1" dur="indefinite" restart="never" nodeType="tmRoot">
+          <p:childTnLst>
+            <p:seq concurrent="1" nextAc="seek">
+              <p:cTn id="2" restart="whenNotActive" fill="hold" evtFilter="cancelBubble" nodeType="interactiveSeq">
+                <p:stCondLst>
+                  <p:cond evt="onClick" delay="0">
+                    <p:tgtEl>
+                      <p:spTgt spid="6"/>
+                    </p:tgtEl>
+                  </p:cond>
+                </p:stCondLst>
+                <p:endSync evt="end" delay="0">
+                  <p:rtn val="all"/>
+                </p:endSync>
+                <p:childTnLst>
+                  <p:par>
+                    <p:cTn id="3" fill="hold">
+                      <p:stCondLst>
+                        <p:cond delay="0"/>
+                      </p:stCondLst>
+                      <p:childTnLst>
+                        <p:par>
+                          <p:cTn id="4" fill="hold">
+                            <p:stCondLst>
+                              <p:cond delay="0"/>
+                            </p:stCondLst>
+                            <p:childTnLst>
+                              <p:par>
+                                <p:cTn id="5" presetID="2" presetClass="mediacall" presetSubtype="0" fill="hold" nodeType="clickEffect">
+                                  <p:stCondLst>
+                                    <p:cond delay="0"/>
+                                  </p:stCondLst>
+                                  <p:childTnLst>
+                                    <p:cmd type="call" cmd="togglePause">
+                                      <p:cBhvr>
+                                        <p:cTn id="6" dur="1" fill="hold"/>
+                                        <p:tgtEl>
+                                          <p:spTgt spid="6"/>
+                                        </p:tgtEl>
+                                      </p:cBhvr>
+                                    </p:cmd>
+                                  </p:childTnLst>
+                                </p:cTn>
+                              </p:par>
+                            </p:childTnLst>
+                          </p:cTn>
+                        </p:par>
+                      </p:childTnLst>
+                    </p:cTn>
+                  </p:par>
+                </p:childTnLst>
+              </p:cTn>
+              <p:nextCondLst>
+                <p:cond evt="onClick" delay="0">
+                  <p:tgtEl>
+                    <p:spTgt spid="6"/>
+                  </p:tgtEl>
+                </p:cond>
+              </p:nextCondLst>
+            </p:seq>
+            <p:video>
+              <p:cMediaNode>
+                <p:cTn id="7" fill="hold" display="0">
+                  <p:stCondLst>
+                    <p:cond delay="indefinite"/>
+                  </p:stCondLst>
+                  <p:endCondLst>
+                    <p:cond evt="onNext" delay="0">
+                      <p:tgtEl>
+                        <p:sldTgt/>
+                      </p:tgtEl>
+                    </p:cond>
+                    <p:cond evt="onPrev" delay="0">
+                      <p:tgtEl>
+                        <p:sldTgt/>
+                      </p:tgtEl>
+                    </p:cond>
+                  </p:endCondLst>
+                </p:cTn>
+                <p:tgtEl>
+                  <p:spTgt spid="6"/>
+                </p:tgtEl>
+              </p:cMediaNode>
+            </p:video>
+          </p:childTnLst>
+        </p:cTn>
+      </p:par>
+    </p:tnLst>
+  </p:timing>
+</p:sld>
+</file>
+
+<file path=ppt/slides/slide22.xml><?xml version="1.0" encoding="utf-8"?>
 <p:sld xmlns:a="http://schemas.openxmlformats.org/drawingml/2006/main" xmlns:r="http://schemas.openxmlformats.org/officeDocument/2006/relationships" xmlns:p="http://schemas.openxmlformats.org/presentationml/2006/main">
   <p:cSld>
     <p:bg>
@@ -8076,7 +8926,7 @@
         <p:spPr>
           <a:xfrm>
             <a:off x="457200" y="685800"/>
-            <a:ext cx="8229600" cy="646331"/>
+            <a:ext cx="8229600" cy="1846659"/>
           </a:xfrm>
           <a:prstGeom prst="rect">
             <a:avLst/>
@@ -8093,15 +8943,310 @@
               <a:rPr lang="en-US" dirty="0" smtClean="0">
                 <a:latin typeface="AmericanTypewriter" pitchFamily="2" charset="0"/>
               </a:rPr>
-              <a:t>Question No. 10</a:t>
-            </a:r>
-          </a:p>
-          <a:p>
+              <a:t>Question No. </a:t>
+            </a:r>
             <a:r>
               <a:rPr lang="en-US" dirty="0" smtClean="0">
                 <a:latin typeface="AmericanTypewriter" pitchFamily="2" charset="0"/>
               </a:rPr>
-              <a:t>What radio sticker can be seen in the office?</a:t>
+              <a:t>11</a:t>
+            </a:r>
+            <a:endParaRPr lang="en-US" dirty="0" smtClean="0">
+              <a:latin typeface="AmericanTypewriter" pitchFamily="2" charset="0"/>
+            </a:endParaRPr>
+          </a:p>
+          <a:p>
+            <a:r>
+              <a:rPr lang="en-US" sz="3200" dirty="0" smtClean="0">
+                <a:latin typeface="AmericanTypewriter" pitchFamily="2" charset="0"/>
+              </a:rPr>
+              <a:t>What brand is Michael wearing on the day he accidentally wearing a woman's suit?</a:t>
+            </a:r>
+            <a:endParaRPr lang="en-US" sz="3200" dirty="0">
+              <a:latin typeface="AmericanTypewriter" pitchFamily="2" charset="0"/>
+            </a:endParaRPr>
+          </a:p>
+        </p:txBody>
+      </p:sp>
+      <p:sp>
+        <p:nvSpPr>
+          <p:cNvPr id="4" name="TextBox 3"/>
+          <p:cNvSpPr txBox="1"/>
+          <p:nvPr/>
+        </p:nvSpPr>
+        <p:spPr>
+          <a:xfrm>
+            <a:off x="457200" y="5257800"/>
+            <a:ext cx="4038600" cy="646331"/>
+          </a:xfrm>
+          <a:prstGeom prst="rect">
+            <a:avLst/>
+          </a:prstGeom>
+          <a:noFill/>
+        </p:spPr>
+        <p:txBody>
+          <a:bodyPr wrap="square" rtlCol="0">
+            <a:spAutoFit/>
+          </a:bodyPr>
+          <a:lstStyle/>
+          <a:p>
+            <a:r>
+              <a:rPr lang="en-US" sz="3600" dirty="0" smtClean="0">
+                <a:latin typeface="AmericanTypewriter" pitchFamily="2" charset="0"/>
+              </a:rPr>
+              <a:t>C</a:t>
+            </a:r>
+            <a:r>
+              <a:rPr lang="en-US" sz="3600" dirty="0" smtClean="0">
+                <a:latin typeface="AmericanTypewriter" pitchFamily="2" charset="0"/>
+              </a:rPr>
+              <a:t>) Gucci</a:t>
+            </a:r>
+            <a:endParaRPr lang="en-US" sz="3600" dirty="0">
+              <a:latin typeface="AmericanTypewriter" pitchFamily="2" charset="0"/>
+            </a:endParaRPr>
+          </a:p>
+        </p:txBody>
+      </p:sp>
+      <p:sp>
+        <p:nvSpPr>
+          <p:cNvPr id="5" name="TextBox 4"/>
+          <p:cNvSpPr txBox="1"/>
+          <p:nvPr/>
+        </p:nvSpPr>
+        <p:spPr>
+          <a:xfrm>
+            <a:off x="457200" y="3886200"/>
+            <a:ext cx="4038600" cy="646331"/>
+          </a:xfrm>
+          <a:prstGeom prst="rect">
+            <a:avLst/>
+          </a:prstGeom>
+          <a:noFill/>
+        </p:spPr>
+        <p:txBody>
+          <a:bodyPr wrap="square" rtlCol="0">
+            <a:spAutoFit/>
+          </a:bodyPr>
+          <a:lstStyle/>
+          <a:p>
+            <a:r>
+              <a:rPr lang="en-US" sz="3600" dirty="0" smtClean="0">
+                <a:latin typeface="AmericanTypewriter" pitchFamily="2" charset="0"/>
+              </a:rPr>
+              <a:t>A</a:t>
+            </a:r>
+            <a:r>
+              <a:rPr lang="en-US" sz="3600" dirty="0" smtClean="0">
+                <a:latin typeface="AmericanTypewriter" pitchFamily="2" charset="0"/>
+              </a:rPr>
+              <a:t>) </a:t>
+            </a:r>
+            <a:r>
+              <a:rPr lang="en-US" sz="3600" dirty="0" err="1" smtClean="0">
+                <a:latin typeface="AmericanTypewriter" pitchFamily="2" charset="0"/>
+              </a:rPr>
+              <a:t>Silkmaison</a:t>
+            </a:r>
+            <a:endParaRPr lang="en-US" sz="3600" dirty="0">
+              <a:latin typeface="AmericanTypewriter" pitchFamily="2" charset="0"/>
+            </a:endParaRPr>
+          </a:p>
+        </p:txBody>
+      </p:sp>
+      <p:sp>
+        <p:nvSpPr>
+          <p:cNvPr id="6" name="TextBox 5"/>
+          <p:cNvSpPr txBox="1"/>
+          <p:nvPr/>
+        </p:nvSpPr>
+        <p:spPr>
+          <a:xfrm>
+            <a:off x="4724400" y="3886200"/>
+            <a:ext cx="4038600" cy="646331"/>
+          </a:xfrm>
+          <a:prstGeom prst="rect">
+            <a:avLst/>
+          </a:prstGeom>
+          <a:noFill/>
+        </p:spPr>
+        <p:txBody>
+          <a:bodyPr wrap="square" rtlCol="0">
+            <a:spAutoFit/>
+          </a:bodyPr>
+          <a:lstStyle/>
+          <a:p>
+            <a:r>
+              <a:rPr lang="en-US" sz="3600" dirty="0" smtClean="0">
+                <a:latin typeface="AmericanTypewriter" pitchFamily="2" charset="0"/>
+              </a:rPr>
+              <a:t>B) </a:t>
+            </a:r>
+            <a:r>
+              <a:rPr lang="en-US" sz="3600" dirty="0" err="1" smtClean="0">
+                <a:latin typeface="AmericanTypewriter" pitchFamily="2" charset="0"/>
+              </a:rPr>
+              <a:t>Missterious</a:t>
+            </a:r>
+            <a:endParaRPr lang="en-US" sz="3600" dirty="0">
+              <a:latin typeface="AmericanTypewriter" pitchFamily="2" charset="0"/>
+            </a:endParaRPr>
+          </a:p>
+        </p:txBody>
+      </p:sp>
+      <p:sp>
+        <p:nvSpPr>
+          <p:cNvPr id="7" name="TextBox 6"/>
+          <p:cNvSpPr txBox="1"/>
+          <p:nvPr/>
+        </p:nvSpPr>
+        <p:spPr>
+          <a:xfrm>
+            <a:off x="4724400" y="5181600"/>
+            <a:ext cx="4038600" cy="646331"/>
+          </a:xfrm>
+          <a:prstGeom prst="rect">
+            <a:avLst/>
+          </a:prstGeom>
+          <a:noFill/>
+        </p:spPr>
+        <p:txBody>
+          <a:bodyPr wrap="square" rtlCol="0">
+            <a:spAutoFit/>
+          </a:bodyPr>
+          <a:lstStyle/>
+          <a:p>
+            <a:r>
+              <a:rPr lang="en-US" sz="3600" dirty="0" smtClean="0">
+                <a:latin typeface="AmericanTypewriter" pitchFamily="2" charset="0"/>
+              </a:rPr>
+              <a:t>D) Chanel</a:t>
+            </a:r>
+            <a:endParaRPr lang="en-US" sz="3600" dirty="0">
+              <a:latin typeface="AmericanTypewriter" pitchFamily="2" charset="0"/>
+            </a:endParaRPr>
+          </a:p>
+        </p:txBody>
+      </p:sp>
+    </p:spTree>
+  </p:cSld>
+  <p:clrMapOvr>
+    <a:masterClrMapping/>
+  </p:clrMapOvr>
+  <p:transition>
+    <p:fade thruBlk="1"/>
+  </p:transition>
+  <p:timing>
+    <p:tnLst>
+      <p:par>
+        <p:cTn id="1" dur="indefinite" restart="never" nodeType="tmRoot"/>
+      </p:par>
+    </p:tnLst>
+  </p:timing>
+</p:sld>
+</file>
+
+<file path=ppt/slides/slide23.xml><?xml version="1.0" encoding="utf-8"?>
+<p:sld xmlns:a="http://schemas.openxmlformats.org/drawingml/2006/main" xmlns:r="http://schemas.openxmlformats.org/officeDocument/2006/relationships" xmlns:p="http://schemas.openxmlformats.org/presentationml/2006/main">
+  <p:cSld>
+    <p:bg>
+      <p:bgPr>
+        <a:blipFill dpi="0" rotWithShape="1">
+          <a:blip r:embed="rId3" cstate="print">
+            <a:lum/>
+          </a:blip>
+          <a:srcRect/>
+          <a:stretch>
+            <a:fillRect l="-25000" r="-25000"/>
+          </a:stretch>
+        </a:blipFill>
+        <a:effectLst/>
+      </p:bgPr>
+    </p:bg>
+    <p:spTree>
+      <p:nvGrpSpPr>
+        <p:cNvPr id="1" name=""/>
+        <p:cNvGrpSpPr/>
+        <p:nvPr/>
+      </p:nvGrpSpPr>
+      <p:grpSpPr>
+        <a:xfrm>
+          <a:off x="0" y="0"/>
+          <a:ext cx="0" cy="0"/>
+          <a:chOff x="0" y="0"/>
+          <a:chExt cx="0" cy="0"/>
+        </a:xfrm>
+      </p:grpSpPr>
+      <p:sp>
+        <p:nvSpPr>
+          <p:cNvPr id="2" name="TextBox 1"/>
+          <p:cNvSpPr txBox="1"/>
+          <p:nvPr/>
+        </p:nvSpPr>
+        <p:spPr>
+          <a:xfrm>
+            <a:off x="457200" y="609600"/>
+            <a:ext cx="8229600" cy="369332"/>
+          </a:xfrm>
+          <a:prstGeom prst="rect">
+            <a:avLst/>
+          </a:prstGeom>
+          <a:noFill/>
+        </p:spPr>
+        <p:txBody>
+          <a:bodyPr wrap="square" rtlCol="0">
+            <a:spAutoFit/>
+          </a:bodyPr>
+          <a:lstStyle/>
+          <a:p>
+            <a:endParaRPr lang="en-US" dirty="0"/>
+          </a:p>
+        </p:txBody>
+      </p:sp>
+      <p:sp>
+        <p:nvSpPr>
+          <p:cNvPr id="3" name="TextBox 2"/>
+          <p:cNvSpPr txBox="1"/>
+          <p:nvPr/>
+        </p:nvSpPr>
+        <p:spPr>
+          <a:xfrm>
+            <a:off x="457200" y="685800"/>
+            <a:ext cx="8229600" cy="923330"/>
+          </a:xfrm>
+          <a:prstGeom prst="rect">
+            <a:avLst/>
+          </a:prstGeom>
+          <a:noFill/>
+        </p:spPr>
+        <p:txBody>
+          <a:bodyPr wrap="square" rtlCol="0">
+            <a:spAutoFit/>
+          </a:bodyPr>
+          <a:lstStyle/>
+          <a:p>
+            <a:r>
+              <a:rPr lang="en-US" dirty="0" smtClean="0">
+                <a:latin typeface="AmericanTypewriter" pitchFamily="2" charset="0"/>
+              </a:rPr>
+              <a:t>Question No. </a:t>
+            </a:r>
+            <a:r>
+              <a:rPr lang="en-US" dirty="0" smtClean="0">
+                <a:latin typeface="AmericanTypewriter" pitchFamily="2" charset="0"/>
+              </a:rPr>
+              <a:t>11</a:t>
+            </a:r>
+            <a:endParaRPr lang="en-US" dirty="0" smtClean="0">
+              <a:latin typeface="AmericanTypewriter" pitchFamily="2" charset="0"/>
+            </a:endParaRPr>
+          </a:p>
+          <a:p>
+            <a:r>
+              <a:rPr lang="en-US" dirty="0" smtClean="0">
+                <a:latin typeface="AmericanTypewriter" pitchFamily="2" charset="0"/>
+              </a:rPr>
+              <a:t>What brand is Michael wearing on the day he accidentally wearing a woman's suit?</a:t>
             </a:r>
             <a:endParaRPr lang="en-US" dirty="0">
               <a:latin typeface="AmericanTypewriter" pitchFamily="2" charset="0"/>
@@ -8142,13 +9287,7 @@
               <a:rPr lang="en-US" sz="3600" dirty="0" err="1" smtClean="0">
                 <a:latin typeface="AmericanTypewriter" pitchFamily="2" charset="0"/>
               </a:rPr>
-              <a:t>Froggy</a:t>
-            </a:r>
-            <a:r>
-              <a:rPr lang="en-US" sz="3600" dirty="0" smtClean="0">
-                <a:latin typeface="AmericanTypewriter" pitchFamily="2" charset="0"/>
-              </a:rPr>
-              <a:t> 101</a:t>
+              <a:t>MISSterious</a:t>
             </a:r>
             <a:endParaRPr lang="en-US" sz="3600" dirty="0">
               <a:latin typeface="AmericanTypewriter" pitchFamily="2" charset="0"/>
@@ -8158,7 +9297,7 @@
       </p:sp>
       <p:pic>
         <p:nvPicPr>
-          <p:cNvPr id="8" name="Picture 7" descr="ET6ZtOrUYAA-z5y.jpg"/>
+          <p:cNvPr id="6" name="Picture 5" descr="missterious.jpg"/>
           <p:cNvPicPr>
             <a:picLocks noChangeAspect="1"/>
           </p:cNvPicPr>
@@ -8172,8 +9311,8 @@
         </p:blipFill>
         <p:spPr>
           <a:xfrm>
-            <a:off x="782372" y="1524000"/>
-            <a:ext cx="7675828" cy="4298464"/>
+            <a:off x="838200" y="1676400"/>
+            <a:ext cx="7761514" cy="4346448"/>
           </a:xfrm>
           <a:prstGeom prst="rect">
             <a:avLst/>
@@ -8188,10 +9327,991 @@
   <p:transition>
     <p:fade thruBlk="1"/>
   </p:transition>
+  <p:timing>
+    <p:tnLst>
+      <p:par>
+        <p:cTn id="1" dur="indefinite" restart="never" nodeType="tmRoot"/>
+      </p:par>
+    </p:tnLst>
+  </p:timing>
 </p:sld>
 </file>
 
-<file path=ppt/slides/slide22.xml><?xml version="1.0" encoding="utf-8"?>
+<file path=ppt/slides/slide24.xml><?xml version="1.0" encoding="utf-8"?>
+<p:sld xmlns:a="http://schemas.openxmlformats.org/drawingml/2006/main" xmlns:r="http://schemas.openxmlformats.org/officeDocument/2006/relationships" xmlns:p="http://schemas.openxmlformats.org/presentationml/2006/main">
+  <p:cSld>
+    <p:bg>
+      <p:bgPr>
+        <a:blipFill dpi="0" rotWithShape="1">
+          <a:blip r:embed="rId3" cstate="print">
+            <a:lum/>
+          </a:blip>
+          <a:srcRect/>
+          <a:stretch>
+            <a:fillRect l="-25000" r="-25000"/>
+          </a:stretch>
+        </a:blipFill>
+        <a:effectLst/>
+      </p:bgPr>
+    </p:bg>
+    <p:spTree>
+      <p:nvGrpSpPr>
+        <p:cNvPr id="1" name=""/>
+        <p:cNvGrpSpPr/>
+        <p:nvPr/>
+      </p:nvGrpSpPr>
+      <p:grpSpPr>
+        <a:xfrm>
+          <a:off x="0" y="0"/>
+          <a:ext cx="0" cy="0"/>
+          <a:chOff x="0" y="0"/>
+          <a:chExt cx="0" cy="0"/>
+        </a:xfrm>
+      </p:grpSpPr>
+      <p:sp>
+        <p:nvSpPr>
+          <p:cNvPr id="2" name="TextBox 1"/>
+          <p:cNvSpPr txBox="1"/>
+          <p:nvPr/>
+        </p:nvSpPr>
+        <p:spPr>
+          <a:xfrm>
+            <a:off x="457200" y="609600"/>
+            <a:ext cx="8229600" cy="369332"/>
+          </a:xfrm>
+          <a:prstGeom prst="rect">
+            <a:avLst/>
+          </a:prstGeom>
+          <a:noFill/>
+        </p:spPr>
+        <p:txBody>
+          <a:bodyPr wrap="square" rtlCol="0">
+            <a:spAutoFit/>
+          </a:bodyPr>
+          <a:lstStyle/>
+          <a:p>
+            <a:endParaRPr lang="en-US" dirty="0"/>
+          </a:p>
+        </p:txBody>
+      </p:sp>
+      <p:sp>
+        <p:nvSpPr>
+          <p:cNvPr id="3" name="TextBox 2"/>
+          <p:cNvSpPr txBox="1"/>
+          <p:nvPr/>
+        </p:nvSpPr>
+        <p:spPr>
+          <a:xfrm>
+            <a:off x="457200" y="685800"/>
+            <a:ext cx="8229600" cy="369332"/>
+          </a:xfrm>
+          <a:prstGeom prst="rect">
+            <a:avLst/>
+          </a:prstGeom>
+          <a:noFill/>
+        </p:spPr>
+        <p:txBody>
+          <a:bodyPr wrap="square" rtlCol="0">
+            <a:spAutoFit/>
+          </a:bodyPr>
+          <a:lstStyle/>
+          <a:p>
+            <a:r>
+              <a:rPr lang="en-US" dirty="0" smtClean="0">
+                <a:latin typeface="AmericanTypewriter" pitchFamily="2" charset="0"/>
+              </a:rPr>
+              <a:t>Question No. </a:t>
+            </a:r>
+            <a:r>
+              <a:rPr lang="en-US" dirty="0" smtClean="0">
+                <a:latin typeface="AmericanTypewriter" pitchFamily="2" charset="0"/>
+              </a:rPr>
+              <a:t>12</a:t>
+            </a:r>
+            <a:endParaRPr lang="en-US" dirty="0" smtClean="0">
+              <a:latin typeface="AmericanTypewriter" pitchFamily="2" charset="0"/>
+            </a:endParaRPr>
+          </a:p>
+        </p:txBody>
+      </p:sp>
+      <p:sp>
+        <p:nvSpPr>
+          <p:cNvPr id="4" name="TextBox 3"/>
+          <p:cNvSpPr txBox="1"/>
+          <p:nvPr/>
+        </p:nvSpPr>
+        <p:spPr>
+          <a:xfrm>
+            <a:off x="381000" y="5943600"/>
+            <a:ext cx="4038600" cy="646331"/>
+          </a:xfrm>
+          <a:prstGeom prst="rect">
+            <a:avLst/>
+          </a:prstGeom>
+          <a:noFill/>
+        </p:spPr>
+        <p:txBody>
+          <a:bodyPr wrap="square" rtlCol="0">
+            <a:spAutoFit/>
+          </a:bodyPr>
+          <a:lstStyle/>
+          <a:p>
+            <a:r>
+              <a:rPr lang="en-US" sz="3600" dirty="0" smtClean="0">
+                <a:latin typeface="AmericanTypewriter" pitchFamily="2" charset="0"/>
+              </a:rPr>
+              <a:t>C</a:t>
+            </a:r>
+            <a:r>
+              <a:rPr lang="en-US" sz="3600" dirty="0" smtClean="0">
+                <a:latin typeface="AmericanTypewriter" pitchFamily="2" charset="0"/>
+              </a:rPr>
+              <a:t>) French Toast</a:t>
+            </a:r>
+            <a:endParaRPr lang="en-US" sz="3600" dirty="0">
+              <a:latin typeface="AmericanTypewriter" pitchFamily="2" charset="0"/>
+            </a:endParaRPr>
+          </a:p>
+        </p:txBody>
+      </p:sp>
+      <p:sp>
+        <p:nvSpPr>
+          <p:cNvPr id="5" name="TextBox 4"/>
+          <p:cNvSpPr txBox="1"/>
+          <p:nvPr/>
+        </p:nvSpPr>
+        <p:spPr>
+          <a:xfrm>
+            <a:off x="457200" y="5181600"/>
+            <a:ext cx="4038600" cy="646331"/>
+          </a:xfrm>
+          <a:prstGeom prst="rect">
+            <a:avLst/>
+          </a:prstGeom>
+          <a:noFill/>
+        </p:spPr>
+        <p:txBody>
+          <a:bodyPr wrap="square" rtlCol="0">
+            <a:spAutoFit/>
+          </a:bodyPr>
+          <a:lstStyle/>
+          <a:p>
+            <a:r>
+              <a:rPr lang="en-US" sz="3600" dirty="0" smtClean="0">
+                <a:latin typeface="AmericanTypewriter" pitchFamily="2" charset="0"/>
+              </a:rPr>
+              <a:t>A</a:t>
+            </a:r>
+            <a:r>
+              <a:rPr lang="en-US" sz="3600" dirty="0" smtClean="0">
+                <a:latin typeface="AmericanTypewriter" pitchFamily="2" charset="0"/>
+              </a:rPr>
+              <a:t>) Pancakes</a:t>
+            </a:r>
+            <a:endParaRPr lang="en-US" sz="3600" dirty="0">
+              <a:latin typeface="AmericanTypewriter" pitchFamily="2" charset="0"/>
+            </a:endParaRPr>
+          </a:p>
+        </p:txBody>
+      </p:sp>
+      <p:sp>
+        <p:nvSpPr>
+          <p:cNvPr id="6" name="TextBox 5"/>
+          <p:cNvSpPr txBox="1"/>
+          <p:nvPr/>
+        </p:nvSpPr>
+        <p:spPr>
+          <a:xfrm>
+            <a:off x="4648200" y="5181600"/>
+            <a:ext cx="4038600" cy="646331"/>
+          </a:xfrm>
+          <a:prstGeom prst="rect">
+            <a:avLst/>
+          </a:prstGeom>
+          <a:noFill/>
+        </p:spPr>
+        <p:txBody>
+          <a:bodyPr wrap="square" rtlCol="0">
+            <a:spAutoFit/>
+          </a:bodyPr>
+          <a:lstStyle/>
+          <a:p>
+            <a:r>
+              <a:rPr lang="en-US" sz="3600" dirty="0" smtClean="0">
+                <a:latin typeface="AmericanTypewriter" pitchFamily="2" charset="0"/>
+              </a:rPr>
+              <a:t>B</a:t>
+            </a:r>
+            <a:r>
+              <a:rPr lang="en-US" sz="3600" dirty="0" smtClean="0">
+                <a:latin typeface="AmericanTypewriter" pitchFamily="2" charset="0"/>
+              </a:rPr>
+              <a:t>) Waffles</a:t>
+            </a:r>
+            <a:endParaRPr lang="en-US" sz="3600" dirty="0">
+              <a:latin typeface="AmericanTypewriter" pitchFamily="2" charset="0"/>
+            </a:endParaRPr>
+          </a:p>
+        </p:txBody>
+      </p:sp>
+      <p:sp>
+        <p:nvSpPr>
+          <p:cNvPr id="7" name="TextBox 6"/>
+          <p:cNvSpPr txBox="1"/>
+          <p:nvPr/>
+        </p:nvSpPr>
+        <p:spPr>
+          <a:xfrm>
+            <a:off x="4724400" y="5943600"/>
+            <a:ext cx="4038600" cy="646331"/>
+          </a:xfrm>
+          <a:prstGeom prst="rect">
+            <a:avLst/>
+          </a:prstGeom>
+          <a:noFill/>
+        </p:spPr>
+        <p:txBody>
+          <a:bodyPr wrap="square" rtlCol="0">
+            <a:spAutoFit/>
+          </a:bodyPr>
+          <a:lstStyle/>
+          <a:p>
+            <a:r>
+              <a:rPr lang="en-US" sz="3600" dirty="0" smtClean="0">
+                <a:latin typeface="AmericanTypewriter" pitchFamily="2" charset="0"/>
+              </a:rPr>
+              <a:t>D) Cake</a:t>
+            </a:r>
+            <a:endParaRPr lang="en-US" sz="3600" dirty="0">
+              <a:latin typeface="AmericanTypewriter" pitchFamily="2" charset="0"/>
+            </a:endParaRPr>
+          </a:p>
+        </p:txBody>
+      </p:sp>
+      <p:pic>
+        <p:nvPicPr>
+          <p:cNvPr id="9" name="Picture 8" descr="toast.jpg"/>
+          <p:cNvPicPr>
+            <a:picLocks noChangeAspect="1"/>
+          </p:cNvPicPr>
+          <p:nvPr/>
+        </p:nvPicPr>
+        <p:blipFill>
+          <a:blip r:embed="rId4"/>
+          <a:stretch>
+            <a:fillRect/>
+          </a:stretch>
+        </p:blipFill>
+        <p:spPr>
+          <a:xfrm>
+            <a:off x="1066800" y="1143000"/>
+            <a:ext cx="7072312" cy="3923841"/>
+          </a:xfrm>
+          <a:prstGeom prst="rect">
+            <a:avLst/>
+          </a:prstGeom>
+        </p:spPr>
+      </p:pic>
+    </p:spTree>
+  </p:cSld>
+  <p:clrMapOvr>
+    <a:masterClrMapping/>
+  </p:clrMapOvr>
+  <p:transition>
+    <p:fade thruBlk="1"/>
+  </p:transition>
+  <p:timing>
+    <p:tnLst>
+      <p:par>
+        <p:cTn id="1" dur="indefinite" restart="never" nodeType="tmRoot"/>
+      </p:par>
+    </p:tnLst>
+  </p:timing>
+</p:sld>
+</file>
+
+<file path=ppt/slides/slide25.xml><?xml version="1.0" encoding="utf-8"?>
+<p:sld xmlns:a="http://schemas.openxmlformats.org/drawingml/2006/main" xmlns:r="http://schemas.openxmlformats.org/officeDocument/2006/relationships" xmlns:p="http://schemas.openxmlformats.org/presentationml/2006/main">
+  <p:cSld>
+    <p:bg>
+      <p:bgPr>
+        <a:blipFill dpi="0" rotWithShape="1">
+          <a:blip r:embed="rId3" cstate="print">
+            <a:lum/>
+          </a:blip>
+          <a:srcRect/>
+          <a:stretch>
+            <a:fillRect l="-25000" r="-25000"/>
+          </a:stretch>
+        </a:blipFill>
+        <a:effectLst/>
+      </p:bgPr>
+    </p:bg>
+    <p:spTree>
+      <p:nvGrpSpPr>
+        <p:cNvPr id="1" name=""/>
+        <p:cNvGrpSpPr/>
+        <p:nvPr/>
+      </p:nvGrpSpPr>
+      <p:grpSpPr>
+        <a:xfrm>
+          <a:off x="0" y="0"/>
+          <a:ext cx="0" cy="0"/>
+          <a:chOff x="0" y="0"/>
+          <a:chExt cx="0" cy="0"/>
+        </a:xfrm>
+      </p:grpSpPr>
+      <p:sp>
+        <p:nvSpPr>
+          <p:cNvPr id="2" name="TextBox 1"/>
+          <p:cNvSpPr txBox="1"/>
+          <p:nvPr/>
+        </p:nvSpPr>
+        <p:spPr>
+          <a:xfrm>
+            <a:off x="457200" y="609600"/>
+            <a:ext cx="8229600" cy="369332"/>
+          </a:xfrm>
+          <a:prstGeom prst="rect">
+            <a:avLst/>
+          </a:prstGeom>
+          <a:noFill/>
+        </p:spPr>
+        <p:txBody>
+          <a:bodyPr wrap="square" rtlCol="0">
+            <a:spAutoFit/>
+          </a:bodyPr>
+          <a:lstStyle/>
+          <a:p>
+            <a:endParaRPr lang="en-US" dirty="0"/>
+          </a:p>
+        </p:txBody>
+      </p:sp>
+      <p:sp>
+        <p:nvSpPr>
+          <p:cNvPr id="3" name="TextBox 2"/>
+          <p:cNvSpPr txBox="1"/>
+          <p:nvPr/>
+        </p:nvSpPr>
+        <p:spPr>
+          <a:xfrm>
+            <a:off x="457200" y="685800"/>
+            <a:ext cx="8229600" cy="369332"/>
+          </a:xfrm>
+          <a:prstGeom prst="rect">
+            <a:avLst/>
+          </a:prstGeom>
+          <a:noFill/>
+        </p:spPr>
+        <p:txBody>
+          <a:bodyPr wrap="square" rtlCol="0">
+            <a:spAutoFit/>
+          </a:bodyPr>
+          <a:lstStyle/>
+          <a:p>
+            <a:r>
+              <a:rPr lang="en-US" dirty="0" smtClean="0">
+                <a:latin typeface="AmericanTypewriter" pitchFamily="2" charset="0"/>
+              </a:rPr>
+              <a:t>Question No. </a:t>
+            </a:r>
+            <a:r>
+              <a:rPr lang="en-US" dirty="0" smtClean="0">
+                <a:latin typeface="AmericanTypewriter" pitchFamily="2" charset="0"/>
+              </a:rPr>
+              <a:t>12</a:t>
+            </a:r>
+            <a:endParaRPr lang="en-US" dirty="0">
+              <a:latin typeface="AmericanTypewriter" pitchFamily="2" charset="0"/>
+            </a:endParaRPr>
+          </a:p>
+        </p:txBody>
+      </p:sp>
+      <p:sp>
+        <p:nvSpPr>
+          <p:cNvPr id="7" name="TextBox 6"/>
+          <p:cNvSpPr txBox="1"/>
+          <p:nvPr/>
+        </p:nvSpPr>
+        <p:spPr>
+          <a:xfrm>
+            <a:off x="2438400" y="6019800"/>
+            <a:ext cx="4038600" cy="646331"/>
+          </a:xfrm>
+          <a:prstGeom prst="rect">
+            <a:avLst/>
+          </a:prstGeom>
+          <a:noFill/>
+        </p:spPr>
+        <p:txBody>
+          <a:bodyPr wrap="square" rtlCol="0">
+            <a:spAutoFit/>
+          </a:bodyPr>
+          <a:lstStyle/>
+          <a:p>
+            <a:pPr algn="ctr"/>
+            <a:r>
+              <a:rPr lang="en-US" sz="3600" dirty="0" smtClean="0">
+                <a:latin typeface="AmericanTypewriter" pitchFamily="2" charset="0"/>
+              </a:rPr>
+              <a:t>C) French Toast</a:t>
+            </a:r>
+            <a:endParaRPr lang="en-US" sz="3600" dirty="0">
+              <a:latin typeface="AmericanTypewriter" pitchFamily="2" charset="0"/>
+            </a:endParaRPr>
+          </a:p>
+        </p:txBody>
+      </p:sp>
+      <p:pic>
+        <p:nvPicPr>
+          <p:cNvPr id="6" name="Picture 5" descr="missterious.jpg"/>
+          <p:cNvPicPr>
+            <a:picLocks noChangeAspect="1"/>
+          </p:cNvPicPr>
+          <p:nvPr/>
+        </p:nvPicPr>
+        <p:blipFill>
+          <a:blip r:embed="rId4"/>
+          <a:stretch>
+            <a:fillRect/>
+          </a:stretch>
+        </p:blipFill>
+        <p:spPr>
+          <a:xfrm>
+            <a:off x="457200" y="1219200"/>
+            <a:ext cx="8171626" cy="4554935"/>
+          </a:xfrm>
+          <a:prstGeom prst="rect">
+            <a:avLst/>
+          </a:prstGeom>
+        </p:spPr>
+      </p:pic>
+    </p:spTree>
+  </p:cSld>
+  <p:clrMapOvr>
+    <a:masterClrMapping/>
+  </p:clrMapOvr>
+  <p:transition>
+    <p:fade thruBlk="1"/>
+  </p:transition>
+  <p:timing>
+    <p:tnLst>
+      <p:par>
+        <p:cTn id="1" dur="indefinite" restart="never" nodeType="tmRoot"/>
+      </p:par>
+    </p:tnLst>
+  </p:timing>
+</p:sld>
+</file>
+
+<file path=ppt/slides/slide26.xml><?xml version="1.0" encoding="utf-8"?>
+<p:sld xmlns:a="http://schemas.openxmlformats.org/drawingml/2006/main" xmlns:r="http://schemas.openxmlformats.org/officeDocument/2006/relationships" xmlns:p="http://schemas.openxmlformats.org/presentationml/2006/main">
+  <p:cSld>
+    <p:bg>
+      <p:bgPr>
+        <a:blipFill dpi="0" rotWithShape="1">
+          <a:blip r:embed="rId3" cstate="print">
+            <a:lum/>
+          </a:blip>
+          <a:srcRect/>
+          <a:stretch>
+            <a:fillRect l="-25000" r="-25000"/>
+          </a:stretch>
+        </a:blipFill>
+        <a:effectLst/>
+      </p:bgPr>
+    </p:bg>
+    <p:spTree>
+      <p:nvGrpSpPr>
+        <p:cNvPr id="1" name=""/>
+        <p:cNvGrpSpPr/>
+        <p:nvPr/>
+      </p:nvGrpSpPr>
+      <p:grpSpPr>
+        <a:xfrm>
+          <a:off x="0" y="0"/>
+          <a:ext cx="0" cy="0"/>
+          <a:chOff x="0" y="0"/>
+          <a:chExt cx="0" cy="0"/>
+        </a:xfrm>
+      </p:grpSpPr>
+      <p:sp>
+        <p:nvSpPr>
+          <p:cNvPr id="2" name="TextBox 1"/>
+          <p:cNvSpPr txBox="1"/>
+          <p:nvPr/>
+        </p:nvSpPr>
+        <p:spPr>
+          <a:xfrm>
+            <a:off x="457200" y="609600"/>
+            <a:ext cx="8229600" cy="369332"/>
+          </a:xfrm>
+          <a:prstGeom prst="rect">
+            <a:avLst/>
+          </a:prstGeom>
+          <a:noFill/>
+        </p:spPr>
+        <p:txBody>
+          <a:bodyPr wrap="square" rtlCol="0">
+            <a:spAutoFit/>
+          </a:bodyPr>
+          <a:lstStyle/>
+          <a:p>
+            <a:endParaRPr lang="en-US" dirty="0"/>
+          </a:p>
+        </p:txBody>
+      </p:sp>
+      <p:sp>
+        <p:nvSpPr>
+          <p:cNvPr id="3" name="TextBox 2"/>
+          <p:cNvSpPr txBox="1"/>
+          <p:nvPr/>
+        </p:nvSpPr>
+        <p:spPr>
+          <a:xfrm>
+            <a:off x="457200" y="685800"/>
+            <a:ext cx="8229600" cy="1354217"/>
+          </a:xfrm>
+          <a:prstGeom prst="rect">
+            <a:avLst/>
+          </a:prstGeom>
+          <a:noFill/>
+        </p:spPr>
+        <p:txBody>
+          <a:bodyPr wrap="square" rtlCol="0">
+            <a:spAutoFit/>
+          </a:bodyPr>
+          <a:lstStyle/>
+          <a:p>
+            <a:r>
+              <a:rPr lang="en-US" dirty="0" smtClean="0">
+                <a:latin typeface="AmericanTypewriter" pitchFamily="2" charset="0"/>
+              </a:rPr>
+              <a:t>Question No. </a:t>
+            </a:r>
+            <a:r>
+              <a:rPr lang="en-US" dirty="0" smtClean="0">
+                <a:latin typeface="AmericanTypewriter" pitchFamily="2" charset="0"/>
+              </a:rPr>
+              <a:t>13</a:t>
+            </a:r>
+            <a:endParaRPr lang="en-US" dirty="0" smtClean="0">
+              <a:latin typeface="AmericanTypewriter" pitchFamily="2" charset="0"/>
+            </a:endParaRPr>
+          </a:p>
+          <a:p>
+            <a:r>
+              <a:rPr lang="en-US" sz="3200" dirty="0" smtClean="0">
+                <a:latin typeface="AmericanTypewriter" pitchFamily="2" charset="0"/>
+              </a:rPr>
+              <a:t>What radio sticker can be seen in the office?</a:t>
+            </a:r>
+            <a:endParaRPr lang="en-US" sz="3200" dirty="0">
+              <a:latin typeface="AmericanTypewriter" pitchFamily="2" charset="0"/>
+            </a:endParaRPr>
+          </a:p>
+        </p:txBody>
+      </p:sp>
+      <p:sp>
+        <p:nvSpPr>
+          <p:cNvPr id="4" name="TextBox 3"/>
+          <p:cNvSpPr txBox="1"/>
+          <p:nvPr/>
+        </p:nvSpPr>
+        <p:spPr>
+          <a:xfrm>
+            <a:off x="457200" y="5257800"/>
+            <a:ext cx="4038600" cy="646331"/>
+          </a:xfrm>
+          <a:prstGeom prst="rect">
+            <a:avLst/>
+          </a:prstGeom>
+          <a:noFill/>
+        </p:spPr>
+        <p:txBody>
+          <a:bodyPr wrap="square" rtlCol="0">
+            <a:spAutoFit/>
+          </a:bodyPr>
+          <a:lstStyle/>
+          <a:p>
+            <a:r>
+              <a:rPr lang="en-US" sz="3600" dirty="0" smtClean="0">
+                <a:latin typeface="AmericanTypewriter" pitchFamily="2" charset="0"/>
+              </a:rPr>
+              <a:t>C) </a:t>
+            </a:r>
+            <a:r>
+              <a:rPr lang="en-US" sz="3600" dirty="0" err="1" smtClean="0">
+                <a:latin typeface="AmericanTypewriter" pitchFamily="2" charset="0"/>
+              </a:rPr>
+              <a:t>Froggy</a:t>
+            </a:r>
+            <a:r>
+              <a:rPr lang="en-US" sz="3600" dirty="0" smtClean="0">
+                <a:latin typeface="AmericanTypewriter" pitchFamily="2" charset="0"/>
+              </a:rPr>
+              <a:t> 110</a:t>
+            </a:r>
+            <a:endParaRPr lang="en-US" sz="3600" dirty="0">
+              <a:latin typeface="AmericanTypewriter" pitchFamily="2" charset="0"/>
+            </a:endParaRPr>
+          </a:p>
+        </p:txBody>
+      </p:sp>
+      <p:sp>
+        <p:nvSpPr>
+          <p:cNvPr id="5" name="TextBox 4"/>
+          <p:cNvSpPr txBox="1"/>
+          <p:nvPr/>
+        </p:nvSpPr>
+        <p:spPr>
+          <a:xfrm>
+            <a:off x="457200" y="3886200"/>
+            <a:ext cx="4038600" cy="646331"/>
+          </a:xfrm>
+          <a:prstGeom prst="rect">
+            <a:avLst/>
+          </a:prstGeom>
+          <a:noFill/>
+        </p:spPr>
+        <p:txBody>
+          <a:bodyPr wrap="square" rtlCol="0">
+            <a:spAutoFit/>
+          </a:bodyPr>
+          <a:lstStyle/>
+          <a:p>
+            <a:r>
+              <a:rPr lang="en-US" sz="3600" dirty="0" smtClean="0">
+                <a:latin typeface="AmericanTypewriter" pitchFamily="2" charset="0"/>
+              </a:rPr>
+              <a:t>A) </a:t>
+            </a:r>
+            <a:r>
+              <a:rPr lang="en-US" sz="3600" dirty="0" err="1" smtClean="0">
+                <a:latin typeface="AmericanTypewriter" pitchFamily="2" charset="0"/>
+              </a:rPr>
+              <a:t>Froggy</a:t>
+            </a:r>
+            <a:r>
+              <a:rPr lang="en-US" sz="3600" dirty="0" smtClean="0">
+                <a:latin typeface="AmericanTypewriter" pitchFamily="2" charset="0"/>
+              </a:rPr>
+              <a:t> 111</a:t>
+            </a:r>
+            <a:endParaRPr lang="en-US" sz="3600" dirty="0">
+              <a:latin typeface="AmericanTypewriter" pitchFamily="2" charset="0"/>
+            </a:endParaRPr>
+          </a:p>
+        </p:txBody>
+      </p:sp>
+      <p:sp>
+        <p:nvSpPr>
+          <p:cNvPr id="6" name="TextBox 5"/>
+          <p:cNvSpPr txBox="1"/>
+          <p:nvPr/>
+        </p:nvSpPr>
+        <p:spPr>
+          <a:xfrm>
+            <a:off x="4724400" y="3886200"/>
+            <a:ext cx="4038600" cy="646331"/>
+          </a:xfrm>
+          <a:prstGeom prst="rect">
+            <a:avLst/>
+          </a:prstGeom>
+          <a:noFill/>
+        </p:spPr>
+        <p:txBody>
+          <a:bodyPr wrap="square" rtlCol="0">
+            <a:spAutoFit/>
+          </a:bodyPr>
+          <a:lstStyle/>
+          <a:p>
+            <a:r>
+              <a:rPr lang="en-US" sz="3600" dirty="0" smtClean="0">
+                <a:latin typeface="AmericanTypewriter" pitchFamily="2" charset="0"/>
+              </a:rPr>
+              <a:t>B) </a:t>
+            </a:r>
+            <a:r>
+              <a:rPr lang="en-US" sz="3600" dirty="0" err="1" smtClean="0">
+                <a:latin typeface="AmericanTypewriter" pitchFamily="2" charset="0"/>
+              </a:rPr>
+              <a:t>Froggy</a:t>
+            </a:r>
+            <a:r>
+              <a:rPr lang="en-US" sz="3600" dirty="0" smtClean="0">
+                <a:latin typeface="AmericanTypewriter" pitchFamily="2" charset="0"/>
+              </a:rPr>
+              <a:t> 101</a:t>
+            </a:r>
+            <a:endParaRPr lang="en-US" sz="3600" dirty="0">
+              <a:latin typeface="AmericanTypewriter" pitchFamily="2" charset="0"/>
+            </a:endParaRPr>
+          </a:p>
+        </p:txBody>
+      </p:sp>
+      <p:sp>
+        <p:nvSpPr>
+          <p:cNvPr id="7" name="TextBox 6"/>
+          <p:cNvSpPr txBox="1"/>
+          <p:nvPr/>
+        </p:nvSpPr>
+        <p:spPr>
+          <a:xfrm>
+            <a:off x="4724400" y="5181600"/>
+            <a:ext cx="4038600" cy="646331"/>
+          </a:xfrm>
+          <a:prstGeom prst="rect">
+            <a:avLst/>
+          </a:prstGeom>
+          <a:noFill/>
+        </p:spPr>
+        <p:txBody>
+          <a:bodyPr wrap="square" rtlCol="0">
+            <a:spAutoFit/>
+          </a:bodyPr>
+          <a:lstStyle/>
+          <a:p>
+            <a:r>
+              <a:rPr lang="en-US" sz="3600" dirty="0" smtClean="0">
+                <a:latin typeface="AmericanTypewriter" pitchFamily="2" charset="0"/>
+              </a:rPr>
+              <a:t>D) </a:t>
+            </a:r>
+            <a:r>
+              <a:rPr lang="en-US" sz="3600" dirty="0" err="1" smtClean="0">
+                <a:latin typeface="AmericanTypewriter" pitchFamily="2" charset="0"/>
+              </a:rPr>
+              <a:t>Froggy</a:t>
+            </a:r>
+            <a:r>
+              <a:rPr lang="en-US" sz="3600" dirty="0" smtClean="0">
+                <a:latin typeface="AmericanTypewriter" pitchFamily="2" charset="0"/>
+              </a:rPr>
+              <a:t> 100</a:t>
+            </a:r>
+            <a:endParaRPr lang="en-US" sz="3600" dirty="0">
+              <a:latin typeface="AmericanTypewriter" pitchFamily="2" charset="0"/>
+            </a:endParaRPr>
+          </a:p>
+        </p:txBody>
+      </p:sp>
+    </p:spTree>
+  </p:cSld>
+  <p:clrMapOvr>
+    <a:masterClrMapping/>
+  </p:clrMapOvr>
+  <p:transition>
+    <p:fade thruBlk="1"/>
+  </p:transition>
+  <p:timing>
+    <p:tnLst>
+      <p:par>
+        <p:cTn id="1" dur="indefinite" restart="never" nodeType="tmRoot"/>
+      </p:par>
+    </p:tnLst>
+  </p:timing>
+</p:sld>
+</file>
+
+<file path=ppt/slides/slide27.xml><?xml version="1.0" encoding="utf-8"?>
+<p:sld xmlns:a="http://schemas.openxmlformats.org/drawingml/2006/main" xmlns:r="http://schemas.openxmlformats.org/officeDocument/2006/relationships" xmlns:p="http://schemas.openxmlformats.org/presentationml/2006/main">
+  <p:cSld>
+    <p:bg>
+      <p:bgPr>
+        <a:blipFill dpi="0" rotWithShape="1">
+          <a:blip r:embed="rId3" cstate="print">
+            <a:lum/>
+          </a:blip>
+          <a:srcRect/>
+          <a:stretch>
+            <a:fillRect l="-25000" r="-25000"/>
+          </a:stretch>
+        </a:blipFill>
+        <a:effectLst/>
+      </p:bgPr>
+    </p:bg>
+    <p:spTree>
+      <p:nvGrpSpPr>
+        <p:cNvPr id="1" name=""/>
+        <p:cNvGrpSpPr/>
+        <p:nvPr/>
+      </p:nvGrpSpPr>
+      <p:grpSpPr>
+        <a:xfrm>
+          <a:off x="0" y="0"/>
+          <a:ext cx="0" cy="0"/>
+          <a:chOff x="0" y="0"/>
+          <a:chExt cx="0" cy="0"/>
+        </a:xfrm>
+      </p:grpSpPr>
+      <p:sp>
+        <p:nvSpPr>
+          <p:cNvPr id="2" name="TextBox 1"/>
+          <p:cNvSpPr txBox="1"/>
+          <p:nvPr/>
+        </p:nvSpPr>
+        <p:spPr>
+          <a:xfrm>
+            <a:off x="457200" y="609600"/>
+            <a:ext cx="8229600" cy="369332"/>
+          </a:xfrm>
+          <a:prstGeom prst="rect">
+            <a:avLst/>
+          </a:prstGeom>
+          <a:noFill/>
+        </p:spPr>
+        <p:txBody>
+          <a:bodyPr wrap="square" rtlCol="0">
+            <a:spAutoFit/>
+          </a:bodyPr>
+          <a:lstStyle/>
+          <a:p>
+            <a:endParaRPr lang="en-US" dirty="0"/>
+          </a:p>
+        </p:txBody>
+      </p:sp>
+      <p:sp>
+        <p:nvSpPr>
+          <p:cNvPr id="3" name="TextBox 2"/>
+          <p:cNvSpPr txBox="1"/>
+          <p:nvPr/>
+        </p:nvSpPr>
+        <p:spPr>
+          <a:xfrm>
+            <a:off x="457200" y="685800"/>
+            <a:ext cx="8229600" cy="646331"/>
+          </a:xfrm>
+          <a:prstGeom prst="rect">
+            <a:avLst/>
+          </a:prstGeom>
+          <a:noFill/>
+        </p:spPr>
+        <p:txBody>
+          <a:bodyPr wrap="square" rtlCol="0">
+            <a:spAutoFit/>
+          </a:bodyPr>
+          <a:lstStyle/>
+          <a:p>
+            <a:r>
+              <a:rPr lang="en-US" dirty="0" smtClean="0">
+                <a:latin typeface="AmericanTypewriter" pitchFamily="2" charset="0"/>
+              </a:rPr>
+              <a:t>Question No. </a:t>
+            </a:r>
+            <a:r>
+              <a:rPr lang="en-US" dirty="0" smtClean="0">
+                <a:latin typeface="AmericanTypewriter" pitchFamily="2" charset="0"/>
+              </a:rPr>
+              <a:t>13</a:t>
+            </a:r>
+            <a:endParaRPr lang="en-US" dirty="0" smtClean="0">
+              <a:latin typeface="AmericanTypewriter" pitchFamily="2" charset="0"/>
+            </a:endParaRPr>
+          </a:p>
+          <a:p>
+            <a:r>
+              <a:rPr lang="en-US" dirty="0" smtClean="0">
+                <a:latin typeface="AmericanTypewriter" pitchFamily="2" charset="0"/>
+              </a:rPr>
+              <a:t>What radio sticker can be seen in the office?</a:t>
+            </a:r>
+            <a:endParaRPr lang="en-US" dirty="0">
+              <a:latin typeface="AmericanTypewriter" pitchFamily="2" charset="0"/>
+            </a:endParaRPr>
+          </a:p>
+        </p:txBody>
+      </p:sp>
+      <p:sp>
+        <p:nvSpPr>
+          <p:cNvPr id="7" name="TextBox 6"/>
+          <p:cNvSpPr txBox="1"/>
+          <p:nvPr/>
+        </p:nvSpPr>
+        <p:spPr>
+          <a:xfrm>
+            <a:off x="2438400" y="6019800"/>
+            <a:ext cx="4038600" cy="646331"/>
+          </a:xfrm>
+          <a:prstGeom prst="rect">
+            <a:avLst/>
+          </a:prstGeom>
+          <a:noFill/>
+        </p:spPr>
+        <p:txBody>
+          <a:bodyPr wrap="square" rtlCol="0">
+            <a:spAutoFit/>
+          </a:bodyPr>
+          <a:lstStyle/>
+          <a:p>
+            <a:pPr algn="ctr"/>
+            <a:r>
+              <a:rPr lang="en-US" sz="3600" dirty="0" smtClean="0">
+                <a:latin typeface="AmericanTypewriter" pitchFamily="2" charset="0"/>
+              </a:rPr>
+              <a:t>B) </a:t>
+            </a:r>
+            <a:r>
+              <a:rPr lang="en-US" sz="3600" dirty="0" err="1" smtClean="0">
+                <a:latin typeface="AmericanTypewriter" pitchFamily="2" charset="0"/>
+              </a:rPr>
+              <a:t>Froggy</a:t>
+            </a:r>
+            <a:r>
+              <a:rPr lang="en-US" sz="3600" dirty="0" smtClean="0">
+                <a:latin typeface="AmericanTypewriter" pitchFamily="2" charset="0"/>
+              </a:rPr>
+              <a:t> 101</a:t>
+            </a:r>
+            <a:endParaRPr lang="en-US" sz="3600" dirty="0">
+              <a:latin typeface="AmericanTypewriter" pitchFamily="2" charset="0"/>
+            </a:endParaRPr>
+          </a:p>
+        </p:txBody>
+      </p:sp>
+      <p:pic>
+        <p:nvPicPr>
+          <p:cNvPr id="8" name="Picture 7" descr="ET6ZtOrUYAA-z5y.jpg"/>
+          <p:cNvPicPr>
+            <a:picLocks noChangeAspect="1"/>
+          </p:cNvPicPr>
+          <p:nvPr/>
+        </p:nvPicPr>
+        <p:blipFill>
+          <a:blip r:embed="rId4"/>
+          <a:stretch>
+            <a:fillRect/>
+          </a:stretch>
+        </p:blipFill>
+        <p:spPr>
+          <a:xfrm>
+            <a:off x="782372" y="1524000"/>
+            <a:ext cx="7675828" cy="4298464"/>
+          </a:xfrm>
+          <a:prstGeom prst="rect">
+            <a:avLst/>
+          </a:prstGeom>
+        </p:spPr>
+      </p:pic>
+    </p:spTree>
+  </p:cSld>
+  <p:clrMapOvr>
+    <a:masterClrMapping/>
+  </p:clrMapOvr>
+  <p:transition>
+    <p:fade thruBlk="1"/>
+  </p:transition>
+  <p:timing>
+    <p:tnLst>
+      <p:par>
+        <p:cTn id="1" dur="indefinite" restart="never" nodeType="tmRoot"/>
+      </p:par>
+    </p:tnLst>
+  </p:timing>
+</p:sld>
+</file>
+
+<file path=ppt/slides/slide28.xml><?xml version="1.0" encoding="utf-8"?>
 <p:sld xmlns:a="http://schemas.openxmlformats.org/drawingml/2006/main" xmlns:r="http://schemas.openxmlformats.org/officeDocument/2006/relationships" xmlns:p="http://schemas.openxmlformats.org/presentationml/2006/main">
   <p:cSld>
     <p:bg>
@@ -8615,6 +10735,13 @@
   <p:transition>
     <p:fade thruBlk="1"/>
   </p:transition>
+  <p:timing>
+    <p:tnLst>
+      <p:par>
+        <p:cTn id="1" dur="indefinite" restart="never" nodeType="tmRoot"/>
+      </p:par>
+    </p:tnLst>
+  </p:timing>
 </p:sld>
 </file>
 
@@ -8861,6 +10988,13 @@
   <p:transition>
     <p:fade thruBlk="1"/>
   </p:transition>
+  <p:timing>
+    <p:tnLst>
+      <p:par>
+        <p:cTn id="1" dur="indefinite" restart="never" nodeType="tmRoot"/>
+      </p:par>
+    </p:tnLst>
+  </p:timing>
 </p:sld>
 </file>
 
@@ -9372,6 +11506,13 @@
   <p:transition>
     <p:fade thruBlk="1"/>
   </p:transition>
+  <p:timing>
+    <p:tnLst>
+      <p:par>
+        <p:cTn id="1" dur="indefinite" restart="never" nodeType="tmRoot"/>
+      </p:par>
+    </p:tnLst>
+  </p:timing>
 </p:sld>
 </file>
 
@@ -9540,6 +11681,13 @@
   <p:transition>
     <p:fade thruBlk="1"/>
   </p:transition>
+  <p:timing>
+    <p:tnLst>
+      <p:par>
+        <p:cTn id="1" dur="indefinite" restart="never" nodeType="tmRoot"/>
+      </p:par>
+    </p:tnLst>
+  </p:timing>
 </p:sld>
 </file>
 
@@ -9674,6 +11822,13 @@
   <p:transition>
     <p:fade thruBlk="1"/>
   </p:transition>
+  <p:timing>
+    <p:tnLst>
+      <p:par>
+        <p:cTn id="1" dur="indefinite" restart="never" nodeType="tmRoot"/>
+      </p:par>
+    </p:tnLst>
+  </p:timing>
 </p:sld>
 </file>
 
@@ -9843,6 +11998,13 @@
   <p:transition>
     <p:fade thruBlk="1"/>
   </p:transition>
+  <p:timing>
+    <p:tnLst>
+      <p:par>
+        <p:cTn id="1" dur="indefinite" restart="never" nodeType="tmRoot"/>
+      </p:par>
+    </p:tnLst>
+  </p:timing>
 </p:sld>
 </file>
 
